--- a/NYCSchoolsProject_Slides.pptx
+++ b/NYCSchoolsProject_Slides.pptx
@@ -9,10 +9,11 @@
     <p:sldId id="257" r:id="rId3"/>
     <p:sldId id="258" r:id="rId4"/>
     <p:sldId id="259" r:id="rId5"/>
-    <p:sldId id="260" r:id="rId6"/>
-    <p:sldId id="261" r:id="rId7"/>
-    <p:sldId id="262" r:id="rId8"/>
-    <p:sldId id="263" r:id="rId9"/>
+    <p:sldId id="264" r:id="rId6"/>
+    <p:sldId id="260" r:id="rId7"/>
+    <p:sldId id="261" r:id="rId8"/>
+    <p:sldId id="262" r:id="rId9"/>
+    <p:sldId id="263" r:id="rId10"/>
   </p:sldIdLst>
   <p:sldSz cx="12192000" cy="6858000"/>
   <p:notesSz cx="6858000" cy="9144000"/>
@@ -246,7 +247,7 @@
             <a:fld id="{87DE6118-2437-4B30-8E3C-4D2BE6020583}" type="datetimeFigureOut">
               <a:rPr lang="en-US" smtClean="0"/>
               <a:pPr/>
-              <a:t>12/1/16</a:t>
+              <a:t>12/2/2016</a:t>
             </a:fld>
             <a:endParaRPr lang="en-US" dirty="0"/>
           </a:p>
@@ -417,7 +418,7 @@
           <a:p>
             <a:fld id="{87DE6118-2437-4B30-8E3C-4D2BE6020583}" type="datetimeFigureOut">
               <a:rPr lang="en-US" smtClean="0"/>
-              <a:t>12/1/16</a:t>
+              <a:t>12/2/2016</a:t>
             </a:fld>
             <a:endParaRPr lang="en-US" dirty="0"/>
           </a:p>
@@ -597,7 +598,7 @@
           <a:p>
             <a:fld id="{87DE6118-2437-4B30-8E3C-4D2BE6020583}" type="datetimeFigureOut">
               <a:rPr lang="en-US" smtClean="0"/>
-              <a:t>12/1/16</a:t>
+              <a:t>12/2/2016</a:t>
             </a:fld>
             <a:endParaRPr lang="en-US" dirty="0"/>
           </a:p>
@@ -767,7 +768,7 @@
           <a:p>
             <a:fld id="{87DE6118-2437-4B30-8E3C-4D2BE6020583}" type="datetimeFigureOut">
               <a:rPr lang="en-US" smtClean="0"/>
-              <a:t>12/1/16</a:t>
+              <a:t>12/2/2016</a:t>
             </a:fld>
             <a:endParaRPr lang="en-US" dirty="0"/>
           </a:p>
@@ -1014,7 +1015,7 @@
             <a:fld id="{87DE6118-2437-4B30-8E3C-4D2BE6020583}" type="datetimeFigureOut">
               <a:rPr lang="en-US" smtClean="0"/>
               <a:pPr/>
-              <a:t>12/1/16</a:t>
+              <a:t>12/2/2016</a:t>
             </a:fld>
             <a:endParaRPr lang="en-US" dirty="0"/>
           </a:p>
@@ -1247,7 +1248,7 @@
           <a:p>
             <a:fld id="{87DE6118-2437-4B30-8E3C-4D2BE6020583}" type="datetimeFigureOut">
               <a:rPr lang="en-US" smtClean="0"/>
-              <a:t>12/1/16</a:t>
+              <a:t>12/2/2016</a:t>
             </a:fld>
             <a:endParaRPr lang="en-US" dirty="0"/>
           </a:p>
@@ -1614,7 +1615,7 @@
           <a:p>
             <a:fld id="{87DE6118-2437-4B30-8E3C-4D2BE6020583}" type="datetimeFigureOut">
               <a:rPr lang="en-US" smtClean="0"/>
-              <a:t>12/1/16</a:t>
+              <a:t>12/2/2016</a:t>
             </a:fld>
             <a:endParaRPr lang="en-US" dirty="0"/>
           </a:p>
@@ -1732,7 +1733,7 @@
           <a:p>
             <a:fld id="{87DE6118-2437-4B30-8E3C-4D2BE6020583}" type="datetimeFigureOut">
               <a:rPr lang="en-US" smtClean="0"/>
-              <a:t>12/1/16</a:t>
+              <a:t>12/2/2016</a:t>
             </a:fld>
             <a:endParaRPr lang="en-US" dirty="0"/>
           </a:p>
@@ -1827,7 +1828,7 @@
           <a:p>
             <a:fld id="{87DE6118-2437-4B30-8E3C-4D2BE6020583}" type="datetimeFigureOut">
               <a:rPr lang="en-US" smtClean="0"/>
-              <a:t>12/1/16</a:t>
+              <a:t>12/2/2016</a:t>
             </a:fld>
             <a:endParaRPr lang="en-US" dirty="0"/>
           </a:p>
@@ -2105,7 +2106,7 @@
             <a:fld id="{87DE6118-2437-4B30-8E3C-4D2BE6020583}" type="datetimeFigureOut">
               <a:rPr lang="en-US" smtClean="0"/>
               <a:pPr/>
-              <a:t>12/1/16</a:t>
+              <a:t>12/2/2016</a:t>
             </a:fld>
             <a:endParaRPr lang="en-US" dirty="0"/>
           </a:p>
@@ -2360,7 +2361,7 @@
             <a:fld id="{87DE6118-2437-4B30-8E3C-4D2BE6020583}" type="datetimeFigureOut">
               <a:rPr lang="en-US" smtClean="0"/>
               <a:pPr/>
-              <a:t>12/1/16</a:t>
+              <a:t>12/2/2016</a:t>
             </a:fld>
             <a:endParaRPr lang="en-US" dirty="0"/>
           </a:p>
@@ -2580,7 +2581,7 @@
             <a:fld id="{87DE6118-2437-4B30-8E3C-4D2BE6020583}" type="datetimeFigureOut">
               <a:rPr lang="en-US" smtClean="0"/>
               <a:pPr/>
-              <a:t>12/1/16</a:t>
+              <a:t>12/2/2016</a:t>
             </a:fld>
             <a:endParaRPr lang="en-US" dirty="0"/>
           </a:p>
@@ -2968,7 +2969,7 @@
   </p:txStyles>
   <p:extLst>
     <p:ext uri="{27BBF7A9-308A-43DC-89C8-2F10F3537804}">
-      <p15:sldGuideLst xmlns:p15="http://schemas.microsoft.com/office/powerpoint/2012/main"/>
+      <p15:sldGuideLst xmlns:p15="http://schemas.microsoft.com/office/powerpoint/2012/main" xmlns=""/>
     </p:ext>
   </p:extLst>
 </p:sldMaster>
@@ -3724,6 +3725,142 @@
 </file>
 
 <file path=ppt/slides/slide5.xml><?xml version="1.0" encoding="utf-8"?>
+<p:sld xmlns:a="http://schemas.openxmlformats.org/drawingml/2006/main" xmlns:r="http://schemas.openxmlformats.org/officeDocument/2006/relationships" xmlns:p="http://schemas.openxmlformats.org/presentationml/2006/main">
+  <p:cSld>
+    <p:spTree>
+      <p:nvGrpSpPr>
+        <p:cNvPr id="1" name=""/>
+        <p:cNvGrpSpPr/>
+        <p:nvPr/>
+      </p:nvGrpSpPr>
+      <p:grpSpPr>
+        <a:xfrm>
+          <a:off x="0" y="0"/>
+          <a:ext cx="0" cy="0"/>
+          <a:chOff x="0" y="0"/>
+          <a:chExt cx="0" cy="0"/>
+        </a:xfrm>
+      </p:grpSpPr>
+      <p:pic>
+        <p:nvPicPr>
+          <p:cNvPr id="2050" name="Picture 2"/>
+          <p:cNvPicPr>
+            <a:picLocks noChangeAspect="1" noChangeArrowheads="1"/>
+          </p:cNvPicPr>
+          <p:nvPr/>
+        </p:nvPicPr>
+        <p:blipFill>
+          <a:blip r:embed="rId2">
+            <a:extLst>
+              <a:ext uri="{28A0092B-C50C-407E-A947-70E740481C1C}">
+                <a14:useLocalDpi xmlns:a14="http://schemas.microsoft.com/office/drawing/2010/main" val="0"/>
+              </a:ext>
+            </a:extLst>
+          </a:blip>
+          <a:srcRect/>
+          <a:stretch>
+            <a:fillRect/>
+          </a:stretch>
+        </p:blipFill>
+        <p:spPr bwMode="auto">
+          <a:xfrm>
+            <a:off x="1901224" y="1439367"/>
+            <a:ext cx="8251770" cy="5434398"/>
+          </a:xfrm>
+          <a:prstGeom prst="rect">
+            <a:avLst/>
+          </a:prstGeom>
+          <a:noFill/>
+          <a:ln>
+            <a:noFill/>
+          </a:ln>
+          <a:extLst>
+            <a:ext uri="{909E8E84-426E-40DD-AFC4-6F175D3DCCD1}">
+              <a14:hiddenFill xmlns:a14="http://schemas.microsoft.com/office/drawing/2010/main">
+                <a:solidFill>
+                  <a:schemeClr val="accent1"/>
+                </a:solidFill>
+              </a14:hiddenFill>
+            </a:ext>
+            <a:ext uri="{91240B29-F687-4F45-9708-019B960494DF}">
+              <a14:hiddenLine xmlns:a14="http://schemas.microsoft.com/office/drawing/2010/main" w="9525">
+                <a:solidFill>
+                  <a:schemeClr val="tx1"/>
+                </a:solidFill>
+                <a:miter lim="800000"/>
+                <a:headEnd/>
+                <a:tailEnd/>
+              </a14:hiddenLine>
+            </a:ext>
+          </a:extLst>
+        </p:spPr>
+      </p:pic>
+      <p:sp>
+        <p:nvSpPr>
+          <p:cNvPr id="3" name="Title 1"/>
+          <p:cNvSpPr txBox="1">
+            <a:spLocks/>
+          </p:cNvSpPr>
+          <p:nvPr/>
+        </p:nvSpPr>
+        <p:spPr>
+          <a:xfrm>
+            <a:off x="838200" y="365126"/>
+            <a:ext cx="10515600" cy="938834"/>
+          </a:xfrm>
+          <a:prstGeom prst="rect">
+            <a:avLst/>
+          </a:prstGeom>
+          <a:ln>
+            <a:solidFill>
+              <a:schemeClr val="accent1"/>
+            </a:solidFill>
+          </a:ln>
+        </p:spPr>
+        <p:txBody>
+          <a:bodyPr/>
+          <a:lstStyle>
+            <a:lvl1pPr algn="l" defTabSz="914400" rtl="0" eaLnBrk="1" latinLnBrk="0" hangingPunct="1">
+              <a:lnSpc>
+                <a:spcPct val="90000"/>
+              </a:lnSpc>
+              <a:spcBef>
+                <a:spcPct val="0"/>
+              </a:spcBef>
+              <a:buNone/>
+              <a:defRPr sz="4400" kern="1200">
+                <a:solidFill>
+                  <a:schemeClr val="tx1"/>
+                </a:solidFill>
+                <a:latin typeface="+mj-lt"/>
+                <a:ea typeface="+mj-ea"/>
+                <a:cs typeface="+mj-cs"/>
+              </a:defRPr>
+            </a:lvl1pPr>
+          </a:lstStyle>
+          <a:p>
+            <a:r>
+              <a:rPr lang="en-US" dirty="0" smtClean="0"/>
+              <a:t>Overall Satisfaction with School</a:t>
+            </a:r>
+            <a:endParaRPr lang="en-US" dirty="0"/>
+          </a:p>
+        </p:txBody>
+      </p:sp>
+    </p:spTree>
+    <p:extLst>
+      <p:ext uri="{BB962C8B-B14F-4D97-AF65-F5344CB8AC3E}">
+        <p14:creationId xmlns:p14="http://schemas.microsoft.com/office/powerpoint/2010/main" val="1301702781"/>
+      </p:ext>
+    </p:extLst>
+  </p:cSld>
+  <p:clrMapOvr>
+    <a:masterClrMapping/>
+  </p:clrMapOvr>
+</p:sld>
+</file>
+
+<file path=ppt/slides/slide6.xml><?xml version="1.0" encoding="utf-8"?>
 <p:sld xmlns:a="http://schemas.openxmlformats.org/drawingml/2006/main" xmlns:r="http://schemas.openxmlformats.org/officeDocument/2006/relationships" xmlns:p="http://schemas.openxmlformats.org/presentationml/2006/main">
   <p:cSld>
     <p:spTree>
@@ -4005,12 +4142,23 @@
         <p:spPr>
           <a:xfrm>
             <a:off x="2147601" y="6065566"/>
-            <a:ext cx="2418682" cy="369332"/>
+            <a:ext cx="2418682" cy="523220"/>
           </a:xfrm>
           <a:prstGeom prst="rect">
             <a:avLst/>
           </a:prstGeom>
-          <a:noFill/>
+          <a:solidFill>
+            <a:schemeClr val="bg1">
+              <a:lumMod val="75000"/>
+            </a:schemeClr>
+          </a:solidFill>
+          <a:effectLst>
+            <a:outerShdw blurRad="50800" dist="38100" dir="2700000" algn="tl" rotWithShape="0">
+              <a:prstClr val="black">
+                <a:alpha val="40000"/>
+              </a:prstClr>
+            </a:outerShdw>
+          </a:effectLst>
         </p:spPr>
         <p:txBody>
           <a:bodyPr wrap="square" rtlCol="0">
@@ -4020,18 +4168,18 @@
           <a:p>
             <a:pPr algn="ctr"/>
             <a:r>
-              <a:rPr lang="en-US" smtClean="0"/>
+              <a:rPr lang="en-US" sz="2800" dirty="0" smtClean="0"/>
               <a:t>R</a:t>
             </a:r>
             <a:r>
-              <a:rPr lang="en-US" baseline="30000" smtClean="0"/>
+              <a:rPr lang="en-US" sz="2800" baseline="30000" dirty="0" smtClean="0"/>
               <a:t>2</a:t>
             </a:r>
             <a:r>
-              <a:rPr lang="en-US" smtClean="0"/>
+              <a:rPr lang="en-US" sz="2800" dirty="0" smtClean="0"/>
               <a:t> = 0.976</a:t>
             </a:r>
-            <a:endParaRPr lang="en-US"/>
+            <a:endParaRPr lang="en-US" sz="2800" dirty="0"/>
           </a:p>
         </p:txBody>
       </p:sp>
@@ -4044,12 +4192,23 @@
         <p:spPr>
           <a:xfrm>
             <a:off x="7685350" y="6065566"/>
-            <a:ext cx="2418682" cy="369332"/>
+            <a:ext cx="2418682" cy="523220"/>
           </a:xfrm>
           <a:prstGeom prst="rect">
             <a:avLst/>
           </a:prstGeom>
-          <a:noFill/>
+          <a:solidFill>
+            <a:schemeClr val="bg1">
+              <a:lumMod val="75000"/>
+            </a:schemeClr>
+          </a:solidFill>
+          <a:effectLst>
+            <a:outerShdw blurRad="50800" dist="38100" dir="2700000" algn="tl" rotWithShape="0">
+              <a:prstClr val="black">
+                <a:alpha val="40000"/>
+              </a:prstClr>
+            </a:outerShdw>
+          </a:effectLst>
         </p:spPr>
         <p:txBody>
           <a:bodyPr wrap="square" rtlCol="0">
@@ -4059,18 +4218,18 @@
           <a:p>
             <a:pPr algn="ctr"/>
             <a:r>
-              <a:rPr lang="en-US" dirty="0" smtClean="0"/>
+              <a:rPr lang="en-US" sz="2800" dirty="0" smtClean="0"/>
               <a:t>R</a:t>
             </a:r>
             <a:r>
-              <a:rPr lang="en-US" baseline="30000" dirty="0" smtClean="0"/>
+              <a:rPr lang="en-US" sz="2800" baseline="30000" dirty="0" smtClean="0"/>
               <a:t>2</a:t>
             </a:r>
             <a:r>
-              <a:rPr lang="en-US" dirty="0" smtClean="0"/>
+              <a:rPr lang="en-US" sz="2800" dirty="0" smtClean="0"/>
               <a:t> = 0.763</a:t>
             </a:r>
-            <a:endParaRPr lang="en-US" dirty="0"/>
+            <a:endParaRPr lang="en-US" sz="2800" dirty="0"/>
           </a:p>
         </p:txBody>
       </p:sp>
@@ -4087,7 +4246,7 @@
 </p:sld>
 </file>
 
-<file path=ppt/slides/slide6.xml><?xml version="1.0" encoding="utf-8"?>
+<file path=ppt/slides/slide7.xml><?xml version="1.0" encoding="utf-8"?>
 <p:sld xmlns:a="http://schemas.openxmlformats.org/drawingml/2006/main" xmlns:r="http://schemas.openxmlformats.org/officeDocument/2006/relationships" xmlns:p="http://schemas.openxmlformats.org/presentationml/2006/main">
   <p:cSld>
     <p:spTree>
@@ -4234,7 +4393,7 @@
 </p:sld>
 </file>
 
-<file path=ppt/slides/slide7.xml><?xml version="1.0" encoding="utf-8"?>
+<file path=ppt/slides/slide8.xml><?xml version="1.0" encoding="utf-8"?>
 <p:sld xmlns:a="http://schemas.openxmlformats.org/drawingml/2006/main" xmlns:r="http://schemas.openxmlformats.org/officeDocument/2006/relationships" xmlns:p="http://schemas.openxmlformats.org/presentationml/2006/main">
   <p:cSld>
     <p:spTree>
@@ -4368,6 +4527,190 @@
           </a:prstGeom>
         </p:spPr>
       </p:pic>
+      <p:cxnSp>
+        <p:nvCxnSpPr>
+          <p:cNvPr id="6" name="Straight Connector 5"/>
+          <p:cNvCxnSpPr/>
+          <p:nvPr/>
+        </p:nvCxnSpPr>
+        <p:spPr>
+          <a:xfrm flipV="1">
+            <a:off x="5533698" y="2065283"/>
+            <a:ext cx="31532" cy="4225158"/>
+          </a:xfrm>
+          <a:prstGeom prst="line">
+            <a:avLst/>
+          </a:prstGeom>
+          <a:ln w="28575"/>
+          <a:effectLst>
+            <a:outerShdw blurRad="50800" dist="38100" dir="2700000" algn="tl" rotWithShape="0">
+              <a:prstClr val="black">
+                <a:alpha val="40000"/>
+              </a:prstClr>
+            </a:outerShdw>
+          </a:effectLst>
+        </p:spPr>
+        <p:style>
+          <a:lnRef idx="1">
+            <a:schemeClr val="dk1"/>
+          </a:lnRef>
+          <a:fillRef idx="0">
+            <a:schemeClr val="dk1"/>
+          </a:fillRef>
+          <a:effectRef idx="0">
+            <a:schemeClr val="dk1"/>
+          </a:effectRef>
+          <a:fontRef idx="minor">
+            <a:schemeClr val="tx1"/>
+          </a:fontRef>
+        </p:style>
+      </p:cxnSp>
+      <p:sp>
+        <p:nvSpPr>
+          <p:cNvPr id="8" name="Right Arrow 7"/>
+          <p:cNvSpPr/>
+          <p:nvPr/>
+        </p:nvSpPr>
+        <p:spPr>
+          <a:xfrm>
+            <a:off x="5707117" y="2065283"/>
+            <a:ext cx="693683" cy="209792"/>
+          </a:xfrm>
+          <a:prstGeom prst="rightArrow">
+            <a:avLst/>
+          </a:prstGeom>
+        </p:spPr>
+        <p:style>
+          <a:lnRef idx="2">
+            <a:schemeClr val="accent1">
+              <a:shade val="50000"/>
+            </a:schemeClr>
+          </a:lnRef>
+          <a:fillRef idx="1">
+            <a:schemeClr val="accent1"/>
+          </a:fillRef>
+          <a:effectRef idx="0">
+            <a:schemeClr val="accent1"/>
+          </a:effectRef>
+          <a:fontRef idx="minor">
+            <a:schemeClr val="lt1"/>
+          </a:fontRef>
+        </p:style>
+        <p:txBody>
+          <a:bodyPr rtlCol="0" anchor="ctr"/>
+          <a:lstStyle/>
+          <a:p>
+            <a:pPr algn="ctr"/>
+            <a:endParaRPr lang="en-US"/>
+          </a:p>
+        </p:txBody>
+      </p:sp>
+      <p:sp>
+        <p:nvSpPr>
+          <p:cNvPr id="9" name="Right Arrow 8"/>
+          <p:cNvSpPr/>
+          <p:nvPr/>
+        </p:nvSpPr>
+        <p:spPr>
+          <a:xfrm rot="10800000">
+            <a:off x="4740131" y="2060023"/>
+            <a:ext cx="693683" cy="209792"/>
+          </a:xfrm>
+          <a:prstGeom prst="rightArrow">
+            <a:avLst/>
+          </a:prstGeom>
+        </p:spPr>
+        <p:style>
+          <a:lnRef idx="2">
+            <a:schemeClr val="accent1">
+              <a:shade val="50000"/>
+            </a:schemeClr>
+          </a:lnRef>
+          <a:fillRef idx="1">
+            <a:schemeClr val="accent1"/>
+          </a:fillRef>
+          <a:effectRef idx="0">
+            <a:schemeClr val="accent1"/>
+          </a:effectRef>
+          <a:fontRef idx="minor">
+            <a:schemeClr val="lt1"/>
+          </a:fontRef>
+        </p:style>
+        <p:txBody>
+          <a:bodyPr rtlCol="0" anchor="ctr"/>
+          <a:lstStyle/>
+          <a:p>
+            <a:pPr algn="ctr"/>
+            <a:endParaRPr lang="en-US"/>
+          </a:p>
+        </p:txBody>
+      </p:sp>
+      <p:sp>
+        <p:nvSpPr>
+          <p:cNvPr id="10" name="TextBox 9"/>
+          <p:cNvSpPr txBox="1"/>
+          <p:nvPr/>
+        </p:nvSpPr>
+        <p:spPr>
+          <a:xfrm>
+            <a:off x="6416555" y="1981193"/>
+            <a:ext cx="2096814" cy="369332"/>
+          </a:xfrm>
+          <a:prstGeom prst="rect">
+            <a:avLst/>
+          </a:prstGeom>
+          <a:noFill/>
+        </p:spPr>
+        <p:txBody>
+          <a:bodyPr wrap="square" rtlCol="0">
+            <a:spAutoFit/>
+          </a:bodyPr>
+          <a:lstStyle/>
+          <a:p>
+            <a:r>
+              <a:rPr lang="en-US" dirty="0" smtClean="0"/>
+              <a:t>“Large Difference”</a:t>
+            </a:r>
+            <a:endParaRPr lang="en-US" dirty="0"/>
+          </a:p>
+        </p:txBody>
+      </p:sp>
+      <p:sp>
+        <p:nvSpPr>
+          <p:cNvPr id="11" name="TextBox 10"/>
+          <p:cNvSpPr txBox="1"/>
+          <p:nvPr/>
+        </p:nvSpPr>
+        <p:spPr>
+          <a:xfrm>
+            <a:off x="3841533" y="1992431"/>
+            <a:ext cx="2096814" cy="646331"/>
+          </a:xfrm>
+          <a:prstGeom prst="rect">
+            <a:avLst/>
+          </a:prstGeom>
+          <a:noFill/>
+        </p:spPr>
+        <p:txBody>
+          <a:bodyPr wrap="square" rtlCol="0">
+            <a:spAutoFit/>
+          </a:bodyPr>
+          <a:lstStyle/>
+          <a:p>
+            <a:r>
+              <a:rPr lang="en-US" dirty="0" smtClean="0"/>
+              <a:t>“Small </a:t>
+            </a:r>
+          </a:p>
+          <a:p>
+            <a:r>
+              <a:rPr lang="en-US" dirty="0" smtClean="0"/>
+              <a:t>Difference”</a:t>
+            </a:r>
+            <a:endParaRPr lang="en-US" dirty="0"/>
+          </a:p>
+        </p:txBody>
+      </p:sp>
     </p:spTree>
     <p:extLst>
       <p:ext uri="{BB962C8B-B14F-4D97-AF65-F5344CB8AC3E}">
@@ -4381,7 +4724,7 @@
 </p:sld>
 </file>
 
-<file path=ppt/slides/slide8.xml><?xml version="1.0" encoding="utf-8"?>
+<file path=ppt/slides/slide9.xml><?xml version="1.0" encoding="utf-8"?>
 <p:sld xmlns:a="http://schemas.openxmlformats.org/drawingml/2006/main" xmlns:r="http://schemas.openxmlformats.org/officeDocument/2006/relationships" xmlns:p="http://schemas.openxmlformats.org/presentationml/2006/main">
   <p:cSld>
     <p:spTree>
@@ -4457,7 +4800,7 @@
         </p:nvSpPr>
         <p:spPr>
           <a:xfrm>
-            <a:off x="1146114" y="2228984"/>
+            <a:off x="431004" y="1975835"/>
             <a:ext cx="3955763" cy="646331"/>
           </a:xfrm>
           <a:prstGeom prst="rect">
@@ -4471,37 +4814,8 @@
           <a:lstStyle/>
           <a:p>
             <a:r>
-              <a:rPr lang="en-US" sz="3600" smtClean="0"/>
+              <a:rPr lang="en-US" sz="3600" dirty="0" smtClean="0"/>
               <a:t>Rigorous Instruction</a:t>
-            </a:r>
-            <a:endParaRPr lang="en-US" sz="3600" dirty="0"/>
-          </a:p>
-        </p:txBody>
-      </p:sp>
-      <p:sp>
-        <p:nvSpPr>
-          <p:cNvPr id="6" name="Rectangle 5"/>
-          <p:cNvSpPr/>
-          <p:nvPr/>
-        </p:nvSpPr>
-        <p:spPr>
-          <a:xfrm>
-            <a:off x="2572145" y="4437905"/>
-            <a:ext cx="4726935" cy="646331"/>
-          </a:xfrm>
-          <a:prstGeom prst="rect">
-            <a:avLst/>
-          </a:prstGeom>
-        </p:spPr>
-        <p:txBody>
-          <a:bodyPr wrap="none">
-            <a:spAutoFit/>
-          </a:bodyPr>
-          <a:lstStyle/>
-          <a:p>
-            <a:r>
-              <a:rPr lang="en-US" sz="3600" smtClean="0"/>
-              <a:t>Supportive Environment</a:t>
             </a:r>
             <a:endParaRPr lang="en-US" sz="3600" dirty="0"/>
           </a:p>
@@ -4515,7 +4829,7 @@
         </p:nvSpPr>
         <p:spPr>
           <a:xfrm>
-            <a:off x="5185590" y="3244334"/>
+            <a:off x="431004" y="2856809"/>
             <a:ext cx="2909130" cy="646331"/>
           </a:xfrm>
           <a:prstGeom prst="rect">
@@ -4529,13 +4843,427 @@
           <a:lstStyle/>
           <a:p>
             <a:r>
-              <a:rPr lang="en-US" sz="3600" smtClean="0"/>
+              <a:rPr lang="en-US" sz="3600" dirty="0" smtClean="0"/>
               <a:t>Student Safety</a:t>
             </a:r>
             <a:endParaRPr lang="en-US" sz="3600" dirty="0"/>
           </a:p>
         </p:txBody>
       </p:sp>
+      <p:graphicFrame>
+        <p:nvGraphicFramePr>
+          <p:cNvPr id="3" name="Table 2"/>
+          <p:cNvGraphicFramePr>
+            <a:graphicFrameLocks noGrp="1"/>
+          </p:cNvGraphicFramePr>
+          <p:nvPr>
+            <p:extLst>
+              <p:ext uri="{D42A27DB-BD31-4B8C-83A1-F6EECF244321}">
+                <p14:modId xmlns:p14="http://schemas.microsoft.com/office/powerpoint/2010/main" val="1753964739"/>
+              </p:ext>
+            </p:extLst>
+          </p:nvPr>
+        </p:nvGraphicFramePr>
+        <p:xfrm>
+          <a:off x="519806" y="3955236"/>
+          <a:ext cx="3495603" cy="1920240"/>
+        </p:xfrm>
+        <a:graphic>
+          <a:graphicData uri="http://schemas.openxmlformats.org/drawingml/2006/table">
+            <a:tbl>
+              <a:tblPr firstRow="1" bandRow="1">
+                <a:tableStyleId>{5A111915-BE36-4E01-A7E5-04B1672EAD32}</a:tableStyleId>
+              </a:tblPr>
+              <a:tblGrid>
+                <a:gridCol w="1165201"/>
+                <a:gridCol w="1165201"/>
+                <a:gridCol w="1165201"/>
+              </a:tblGrid>
+              <a:tr h="370840">
+                <a:tc>
+                  <a:txBody>
+                    <a:bodyPr/>
+                    <a:lstStyle/>
+                    <a:p>
+                      <a:pPr algn="ctr"/>
+                      <a:r>
+                        <a:rPr lang="en-US" sz="1800" dirty="0" smtClean="0">
+                          <a:solidFill>
+                            <a:schemeClr val="tx1"/>
+                          </a:solidFill>
+                        </a:rPr>
+                        <a:t>Confusion Matrix</a:t>
+                      </a:r>
+                      <a:endParaRPr lang="en-US" sz="1800" dirty="0">
+                        <a:solidFill>
+                          <a:schemeClr val="tx1"/>
+                        </a:solidFill>
+                      </a:endParaRPr>
+                    </a:p>
+                  </a:txBody>
+                  <a:tcPr>
+                    <a:noFill/>
+                  </a:tcPr>
+                </a:tc>
+                <a:tc>
+                  <a:txBody>
+                    <a:bodyPr/>
+                    <a:lstStyle/>
+                    <a:p>
+                      <a:pPr algn="ctr"/>
+                      <a:r>
+                        <a:rPr lang="en-US" sz="2000" dirty="0" smtClean="0">
+                          <a:solidFill>
+                            <a:schemeClr val="tx1"/>
+                          </a:solidFill>
+                        </a:rPr>
+                        <a:t>Correct</a:t>
+                      </a:r>
+                      <a:endParaRPr lang="en-US" sz="2000" dirty="0">
+                        <a:solidFill>
+                          <a:schemeClr val="tx1"/>
+                        </a:solidFill>
+                      </a:endParaRPr>
+                    </a:p>
+                  </a:txBody>
+                  <a:tcPr anchor="ctr">
+                    <a:noFill/>
+                  </a:tcPr>
+                </a:tc>
+                <a:tc>
+                  <a:txBody>
+                    <a:bodyPr/>
+                    <a:lstStyle/>
+                    <a:p>
+                      <a:pPr algn="ctr"/>
+                      <a:r>
+                        <a:rPr lang="en-US" sz="2000" dirty="0" smtClean="0">
+                          <a:solidFill>
+                            <a:schemeClr val="tx1"/>
+                          </a:solidFill>
+                        </a:rPr>
+                        <a:t>Incorrect</a:t>
+                      </a:r>
+                      <a:endParaRPr lang="en-US" sz="2000" dirty="0">
+                        <a:solidFill>
+                          <a:schemeClr val="tx1"/>
+                        </a:solidFill>
+                      </a:endParaRPr>
+                    </a:p>
+                  </a:txBody>
+                  <a:tcPr anchor="ctr">
+                    <a:noFill/>
+                  </a:tcPr>
+                </a:tc>
+              </a:tr>
+              <a:tr h="370840">
+                <a:tc>
+                  <a:txBody>
+                    <a:bodyPr/>
+                    <a:lstStyle/>
+                    <a:p>
+                      <a:pPr algn="ctr"/>
+                      <a:r>
+                        <a:rPr lang="en-US" sz="1800" dirty="0" smtClean="0"/>
+                        <a:t>Small  Difference</a:t>
+                      </a:r>
+                      <a:endParaRPr lang="en-US" sz="1800" dirty="0"/>
+                    </a:p>
+                  </a:txBody>
+                  <a:tcPr>
+                    <a:solidFill>
+                      <a:srgbClr val="92D050"/>
+                    </a:solidFill>
+                  </a:tcPr>
+                </a:tc>
+                <a:tc>
+                  <a:txBody>
+                    <a:bodyPr/>
+                    <a:lstStyle/>
+                    <a:p>
+                      <a:pPr algn="ctr"/>
+                      <a:r>
+                        <a:rPr lang="en-US" sz="2000" dirty="0" smtClean="0"/>
+                        <a:t>41</a:t>
+                      </a:r>
+                      <a:endParaRPr lang="en-US" sz="2000" b="1" dirty="0"/>
+                    </a:p>
+                  </a:txBody>
+                  <a:tcPr anchor="ctr">
+                    <a:solidFill>
+                      <a:srgbClr val="92D050"/>
+                    </a:solidFill>
+                  </a:tcPr>
+                </a:tc>
+                <a:tc>
+                  <a:txBody>
+                    <a:bodyPr/>
+                    <a:lstStyle/>
+                    <a:p>
+                      <a:pPr algn="ctr"/>
+                      <a:r>
+                        <a:rPr lang="en-US" sz="2000" dirty="0" smtClean="0"/>
+                        <a:t>40</a:t>
+                      </a:r>
+                      <a:endParaRPr lang="en-US" sz="2000" b="1" dirty="0"/>
+                    </a:p>
+                  </a:txBody>
+                  <a:tcPr anchor="ctr">
+                    <a:solidFill>
+                      <a:srgbClr val="92D050"/>
+                    </a:solidFill>
+                  </a:tcPr>
+                </a:tc>
+              </a:tr>
+              <a:tr h="370840">
+                <a:tc>
+                  <a:txBody>
+                    <a:bodyPr/>
+                    <a:lstStyle/>
+                    <a:p>
+                      <a:pPr algn="ctr"/>
+                      <a:r>
+                        <a:rPr lang="en-US" sz="1800" dirty="0" smtClean="0"/>
+                        <a:t>Large</a:t>
+                      </a:r>
+                      <a:r>
+                        <a:rPr lang="en-US" sz="1800" baseline="0" dirty="0" smtClean="0"/>
+                        <a:t>  Difference</a:t>
+                      </a:r>
+                      <a:endParaRPr lang="en-US" sz="1800" dirty="0"/>
+                    </a:p>
+                  </a:txBody>
+                  <a:tcPr>
+                    <a:solidFill>
+                      <a:schemeClr val="accent1">
+                        <a:lumMod val="60000"/>
+                        <a:lumOff val="40000"/>
+                      </a:schemeClr>
+                    </a:solidFill>
+                  </a:tcPr>
+                </a:tc>
+                <a:tc>
+                  <a:txBody>
+                    <a:bodyPr/>
+                    <a:lstStyle/>
+                    <a:p>
+                      <a:pPr algn="ctr"/>
+                      <a:r>
+                        <a:rPr lang="en-US" sz="2000" dirty="0" smtClean="0"/>
+                        <a:t>15</a:t>
+                      </a:r>
+                      <a:endParaRPr lang="en-US" sz="2000" b="1" dirty="0"/>
+                    </a:p>
+                  </a:txBody>
+                  <a:tcPr anchor="ctr">
+                    <a:solidFill>
+                      <a:schemeClr val="accent1">
+                        <a:lumMod val="60000"/>
+                        <a:lumOff val="40000"/>
+                      </a:schemeClr>
+                    </a:solidFill>
+                  </a:tcPr>
+                </a:tc>
+                <a:tc>
+                  <a:txBody>
+                    <a:bodyPr/>
+                    <a:lstStyle/>
+                    <a:p>
+                      <a:pPr algn="ctr"/>
+                      <a:r>
+                        <a:rPr lang="en-US" sz="2000" dirty="0" smtClean="0"/>
+                        <a:t>340</a:t>
+                      </a:r>
+                      <a:endParaRPr lang="en-US" sz="2000" b="1" dirty="0"/>
+                    </a:p>
+                  </a:txBody>
+                  <a:tcPr anchor="ctr">
+                    <a:solidFill>
+                      <a:schemeClr val="accent1">
+                        <a:lumMod val="60000"/>
+                        <a:lumOff val="40000"/>
+                      </a:schemeClr>
+                    </a:solidFill>
+                  </a:tcPr>
+                </a:tc>
+              </a:tr>
+            </a:tbl>
+          </a:graphicData>
+        </a:graphic>
+      </p:graphicFrame>
+      <p:grpSp>
+        <p:nvGrpSpPr>
+          <p:cNvPr id="4" name="Group 3"/>
+          <p:cNvGrpSpPr/>
+          <p:nvPr/>
+        </p:nvGrpSpPr>
+        <p:grpSpPr>
+          <a:xfrm>
+            <a:off x="4234366" y="1975835"/>
+            <a:ext cx="7794593" cy="4878642"/>
+            <a:chOff x="4234366" y="1975835"/>
+            <a:chExt cx="7794593" cy="4878642"/>
+          </a:xfrm>
+        </p:grpSpPr>
+        <p:pic>
+          <p:nvPicPr>
+            <p:cNvPr id="1027" name="Picture 3"/>
+            <p:cNvPicPr>
+              <a:picLocks noChangeAspect="1" noChangeArrowheads="1"/>
+            </p:cNvPicPr>
+            <p:nvPr/>
+          </p:nvPicPr>
+          <p:blipFill>
+            <a:blip r:embed="rId2">
+              <a:extLst>
+                <a:ext uri="{28A0092B-C50C-407E-A947-70E740481C1C}">
+                  <a14:useLocalDpi xmlns:a14="http://schemas.microsoft.com/office/drawing/2010/main" val="0"/>
+                </a:ext>
+              </a:extLst>
+            </a:blip>
+            <a:srcRect/>
+            <a:stretch>
+              <a:fillRect/>
+            </a:stretch>
+          </p:blipFill>
+          <p:spPr bwMode="auto">
+            <a:xfrm>
+              <a:off x="4234366" y="1975835"/>
+              <a:ext cx="7794593" cy="4695825"/>
+            </a:xfrm>
+            <a:prstGeom prst="rect">
+              <a:avLst/>
+            </a:prstGeom>
+            <a:noFill/>
+            <a:ln>
+              <a:noFill/>
+            </a:ln>
+            <a:extLst>
+              <a:ext uri="{909E8E84-426E-40DD-AFC4-6F175D3DCCD1}">
+                <a14:hiddenFill xmlns:a14="http://schemas.microsoft.com/office/drawing/2010/main">
+                  <a:solidFill>
+                    <a:schemeClr val="accent1"/>
+                  </a:solidFill>
+                </a14:hiddenFill>
+              </a:ext>
+              <a:ext uri="{91240B29-F687-4F45-9708-019B960494DF}">
+                <a14:hiddenLine xmlns:a14="http://schemas.microsoft.com/office/drawing/2010/main" w="9525">
+                  <a:solidFill>
+                    <a:schemeClr val="tx1"/>
+                  </a:solidFill>
+                  <a:miter lim="800000"/>
+                  <a:headEnd/>
+                  <a:tailEnd/>
+                </a14:hiddenLine>
+              </a:ext>
+            </a:extLst>
+          </p:spPr>
+        </p:pic>
+        <p:pic>
+          <p:nvPicPr>
+            <p:cNvPr id="9" name="Picture 3"/>
+            <p:cNvPicPr>
+              <a:picLocks noChangeAspect="1" noChangeArrowheads="1"/>
+            </p:cNvPicPr>
+            <p:nvPr/>
+          </p:nvPicPr>
+          <p:blipFill rotWithShape="1">
+            <a:blip r:embed="rId2">
+              <a:extLst>
+                <a:ext uri="{28A0092B-C50C-407E-A947-70E740481C1C}">
+                  <a14:useLocalDpi xmlns:a14="http://schemas.microsoft.com/office/drawing/2010/main" val="0"/>
+                </a:ext>
+              </a:extLst>
+            </a:blip>
+            <a:srcRect l="38784" t="93672" r="30608" b="-723"/>
+            <a:stretch/>
+          </p:blipFill>
+          <p:spPr bwMode="auto">
+            <a:xfrm>
+              <a:off x="6749578" y="6379997"/>
+              <a:ext cx="3419175" cy="474480"/>
+            </a:xfrm>
+            <a:prstGeom prst="rect">
+              <a:avLst/>
+            </a:prstGeom>
+            <a:noFill/>
+            <a:ln>
+              <a:noFill/>
+            </a:ln>
+            <a:extLst>
+              <a:ext uri="{909E8E84-426E-40DD-AFC4-6F175D3DCCD1}">
+                <a14:hiddenFill xmlns:a14="http://schemas.microsoft.com/office/drawing/2010/main">
+                  <a:solidFill>
+                    <a:schemeClr val="accent1"/>
+                  </a:solidFill>
+                </a14:hiddenFill>
+              </a:ext>
+              <a:ext uri="{91240B29-F687-4F45-9708-019B960494DF}">
+                <a14:hiddenLine xmlns:a14="http://schemas.microsoft.com/office/drawing/2010/main" w="9525">
+                  <a:solidFill>
+                    <a:schemeClr val="tx1"/>
+                  </a:solidFill>
+                  <a:miter lim="800000"/>
+                  <a:headEnd/>
+                  <a:tailEnd/>
+                </a14:hiddenLine>
+              </a:ext>
+            </a:extLst>
+          </p:spPr>
+        </p:pic>
+        <p:pic>
+          <p:nvPicPr>
+            <p:cNvPr id="10" name="Picture 3"/>
+            <p:cNvPicPr>
+              <a:picLocks noChangeAspect="1" noChangeArrowheads="1"/>
+            </p:cNvPicPr>
+            <p:nvPr/>
+          </p:nvPicPr>
+          <p:blipFill rotWithShape="1">
+            <a:blip r:embed="rId2">
+              <a:extLst>
+                <a:ext uri="{28A0092B-C50C-407E-A947-70E740481C1C}">
+                  <a14:useLocalDpi xmlns:a14="http://schemas.microsoft.com/office/drawing/2010/main" val="0"/>
+                </a:ext>
+              </a:extLst>
+            </a:blip>
+            <a:srcRect l="2739" t="19152" r="94522" b="27031"/>
+            <a:stretch/>
+          </p:blipFill>
+          <p:spPr bwMode="auto">
+            <a:xfrm>
+              <a:off x="4406148" y="2486706"/>
+              <a:ext cx="290696" cy="3441122"/>
+            </a:xfrm>
+            <a:prstGeom prst="rect">
+              <a:avLst/>
+            </a:prstGeom>
+            <a:noFill/>
+            <a:ln>
+              <a:noFill/>
+            </a:ln>
+            <a:extLst>
+              <a:ext uri="{909E8E84-426E-40DD-AFC4-6F175D3DCCD1}">
+                <a14:hiddenFill xmlns:a14="http://schemas.microsoft.com/office/drawing/2010/main">
+                  <a:solidFill>
+                    <a:schemeClr val="accent1"/>
+                  </a:solidFill>
+                </a14:hiddenFill>
+              </a:ext>
+              <a:ext uri="{91240B29-F687-4F45-9708-019B960494DF}">
+                <a14:hiddenLine xmlns:a14="http://schemas.microsoft.com/office/drawing/2010/main" w="9525">
+                  <a:solidFill>
+                    <a:schemeClr val="tx1"/>
+                  </a:solidFill>
+                  <a:miter lim="800000"/>
+                  <a:headEnd/>
+                  <a:tailEnd/>
+                </a14:hiddenLine>
+              </a:ext>
+            </a:extLst>
+          </p:spPr>
+        </p:pic>
+      </p:grpSp>
     </p:spTree>
     <p:extLst>
       <p:ext uri="{BB962C8B-B14F-4D97-AF65-F5344CB8AC3E}">
@@ -4804,7 +5532,7 @@
   <a:extraClrSchemeLst/>
   <a:extLst>
     <a:ext uri="{05A4C25C-085E-4340-85A3-A5531E510DB2}">
-      <thm15:themeFamily xmlns:thm15="http://schemas.microsoft.com/office/thememl/2012/main" name="Office Theme" id="{62F939B6-93AF-4DB8-9C6B-D6C7DFDC589F}" vid="{4A3C46E8-61CC-4603-A589-7422A47A8E4A}"/>
+      <thm15:themeFamily xmlns:thm15="http://schemas.microsoft.com/office/thememl/2012/main" xmlns="" name="Office Theme" id="{62F939B6-93AF-4DB8-9C6B-D6C7DFDC589F}" vid="{4A3C46E8-61CC-4603-A589-7422A47A8E4A}"/>
     </a:ext>
   </a:extLst>
 </a:theme>

--- a/NYCSchoolsProject_Slides.pptx
+++ b/NYCSchoolsProject_Slides.pptx
@@ -4,6 +4,9 @@
   <p:sldMasterIdLst>
     <p:sldMasterId id="2147483840" r:id="rId1"/>
   </p:sldMasterIdLst>
+  <p:notesMasterIdLst>
+    <p:notesMasterId r:id="rId11"/>
+  </p:notesMasterIdLst>
   <p:sldIdLst>
     <p:sldId id="256" r:id="rId2"/>
     <p:sldId id="257" r:id="rId3"/>
@@ -112,7 +115,866 @@
       </a:defRPr>
     </a:lvl9pPr>
   </p:defaultTextStyle>
+  <p:extLst>
+    <p:ext uri="{EFAFB233-063F-42B5-8137-9DF3F51BA10A}">
+      <p15:sldGuideLst xmlns:p15="http://schemas.microsoft.com/office/powerpoint/2012/main">
+        <p15:guide id="1" orient="horz" pos="2160">
+          <p15:clr>
+            <a:srgbClr val="A4A3A4"/>
+          </p15:clr>
+        </p15:guide>
+        <p15:guide id="2" pos="3840">
+          <p15:clr>
+            <a:srgbClr val="A4A3A4"/>
+          </p15:clr>
+        </p15:guide>
+      </p15:sldGuideLst>
+    </p:ext>
+  </p:extLst>
 </p:presentation>
+</file>
+
+<file path=ppt/notesMasters/notesMaster1.xml><?xml version="1.0" encoding="utf-8"?>
+<p:notesMaster xmlns:a="http://schemas.openxmlformats.org/drawingml/2006/main" xmlns:r="http://schemas.openxmlformats.org/officeDocument/2006/relationships" xmlns:p="http://schemas.openxmlformats.org/presentationml/2006/main">
+  <p:cSld>
+    <p:bg>
+      <p:bgRef idx="1001">
+        <a:schemeClr val="bg1"/>
+      </p:bgRef>
+    </p:bg>
+    <p:spTree>
+      <p:nvGrpSpPr>
+        <p:cNvPr id="1" name=""/>
+        <p:cNvGrpSpPr/>
+        <p:nvPr/>
+      </p:nvGrpSpPr>
+      <p:grpSpPr>
+        <a:xfrm>
+          <a:off x="0" y="0"/>
+          <a:ext cx="0" cy="0"/>
+          <a:chOff x="0" y="0"/>
+          <a:chExt cx="0" cy="0"/>
+        </a:xfrm>
+      </p:grpSpPr>
+      <p:sp>
+        <p:nvSpPr>
+          <p:cNvPr id="2" name="Header Placeholder 1"/>
+          <p:cNvSpPr>
+            <a:spLocks noGrp="1"/>
+          </p:cNvSpPr>
+          <p:nvPr>
+            <p:ph type="hdr" sz="quarter"/>
+          </p:nvPr>
+        </p:nvSpPr>
+        <p:spPr>
+          <a:xfrm>
+            <a:off x="0" y="0"/>
+            <a:ext cx="2971800" cy="458788"/>
+          </a:xfrm>
+          <a:prstGeom prst="rect">
+            <a:avLst/>
+          </a:prstGeom>
+        </p:spPr>
+        <p:txBody>
+          <a:bodyPr vert="horz" lIns="91440" tIns="45720" rIns="91440" bIns="45720" rtlCol="0"/>
+          <a:lstStyle>
+            <a:lvl1pPr algn="l">
+              <a:defRPr sz="1200"/>
+            </a:lvl1pPr>
+          </a:lstStyle>
+          <a:p>
+            <a:endParaRPr lang="en-US"/>
+          </a:p>
+        </p:txBody>
+      </p:sp>
+      <p:sp>
+        <p:nvSpPr>
+          <p:cNvPr id="3" name="Date Placeholder 2"/>
+          <p:cNvSpPr>
+            <a:spLocks noGrp="1"/>
+          </p:cNvSpPr>
+          <p:nvPr>
+            <p:ph type="dt" idx="1"/>
+          </p:nvPr>
+        </p:nvSpPr>
+        <p:spPr>
+          <a:xfrm>
+            <a:off x="3884613" y="0"/>
+            <a:ext cx="2971800" cy="458788"/>
+          </a:xfrm>
+          <a:prstGeom prst="rect">
+            <a:avLst/>
+          </a:prstGeom>
+        </p:spPr>
+        <p:txBody>
+          <a:bodyPr vert="horz" lIns="91440" tIns="45720" rIns="91440" bIns="45720" rtlCol="0"/>
+          <a:lstStyle>
+            <a:lvl1pPr algn="r">
+              <a:defRPr sz="1200"/>
+            </a:lvl1pPr>
+          </a:lstStyle>
+          <a:p>
+            <a:fld id="{166C1762-5DAE-A84E-B2CC-7257A2B06744}" type="datetimeFigureOut">
+              <a:rPr lang="en-US" smtClean="0"/>
+              <a:t>12/3/16</a:t>
+            </a:fld>
+            <a:endParaRPr lang="en-US"/>
+          </a:p>
+        </p:txBody>
+      </p:sp>
+      <p:sp>
+        <p:nvSpPr>
+          <p:cNvPr id="4" name="Slide Image Placeholder 3"/>
+          <p:cNvSpPr>
+            <a:spLocks noGrp="1" noRot="1" noChangeAspect="1"/>
+          </p:cNvSpPr>
+          <p:nvPr>
+            <p:ph type="sldImg" idx="2"/>
+          </p:nvPr>
+        </p:nvSpPr>
+        <p:spPr>
+          <a:xfrm>
+            <a:off x="685800" y="1143000"/>
+            <a:ext cx="5486400" cy="3086100"/>
+          </a:xfrm>
+          <a:prstGeom prst="rect">
+            <a:avLst/>
+          </a:prstGeom>
+          <a:noFill/>
+          <a:ln w="12700">
+            <a:solidFill>
+              <a:prstClr val="black"/>
+            </a:solidFill>
+          </a:ln>
+        </p:spPr>
+        <p:txBody>
+          <a:bodyPr vert="horz" lIns="91440" tIns="45720" rIns="91440" bIns="45720" rtlCol="0" anchor="ctr"/>
+          <a:lstStyle/>
+          <a:p>
+            <a:endParaRPr lang="en-US"/>
+          </a:p>
+        </p:txBody>
+      </p:sp>
+      <p:sp>
+        <p:nvSpPr>
+          <p:cNvPr id="5" name="Notes Placeholder 4"/>
+          <p:cNvSpPr>
+            <a:spLocks noGrp="1"/>
+          </p:cNvSpPr>
+          <p:nvPr>
+            <p:ph type="body" sz="quarter" idx="3"/>
+          </p:nvPr>
+        </p:nvSpPr>
+        <p:spPr>
+          <a:xfrm>
+            <a:off x="685800" y="4400550"/>
+            <a:ext cx="5486400" cy="3600450"/>
+          </a:xfrm>
+          <a:prstGeom prst="rect">
+            <a:avLst/>
+          </a:prstGeom>
+        </p:spPr>
+        <p:txBody>
+          <a:bodyPr vert="horz" lIns="91440" tIns="45720" rIns="91440" bIns="45720" rtlCol="0"/>
+          <a:lstStyle/>
+          <a:p>
+            <a:pPr lvl="0"/>
+            <a:r>
+              <a:rPr lang="en-US" smtClean="0"/>
+              <a:t>Click to edit Master text styles</a:t>
+            </a:r>
+          </a:p>
+          <a:p>
+            <a:pPr lvl="1"/>
+            <a:r>
+              <a:rPr lang="en-US" smtClean="0"/>
+              <a:t>Second level</a:t>
+            </a:r>
+          </a:p>
+          <a:p>
+            <a:pPr lvl="2"/>
+            <a:r>
+              <a:rPr lang="en-US" smtClean="0"/>
+              <a:t>Third level</a:t>
+            </a:r>
+          </a:p>
+          <a:p>
+            <a:pPr lvl="3"/>
+            <a:r>
+              <a:rPr lang="en-US" smtClean="0"/>
+              <a:t>Fourth level</a:t>
+            </a:r>
+          </a:p>
+          <a:p>
+            <a:pPr lvl="4"/>
+            <a:r>
+              <a:rPr lang="en-US" smtClean="0"/>
+              <a:t>Fifth level</a:t>
+            </a:r>
+            <a:endParaRPr lang="en-US"/>
+          </a:p>
+        </p:txBody>
+      </p:sp>
+      <p:sp>
+        <p:nvSpPr>
+          <p:cNvPr id="6" name="Footer Placeholder 5"/>
+          <p:cNvSpPr>
+            <a:spLocks noGrp="1"/>
+          </p:cNvSpPr>
+          <p:nvPr>
+            <p:ph type="ftr" sz="quarter" idx="4"/>
+          </p:nvPr>
+        </p:nvSpPr>
+        <p:spPr>
+          <a:xfrm>
+            <a:off x="0" y="8685213"/>
+            <a:ext cx="2971800" cy="458787"/>
+          </a:xfrm>
+          <a:prstGeom prst="rect">
+            <a:avLst/>
+          </a:prstGeom>
+        </p:spPr>
+        <p:txBody>
+          <a:bodyPr vert="horz" lIns="91440" tIns="45720" rIns="91440" bIns="45720" rtlCol="0" anchor="b"/>
+          <a:lstStyle>
+            <a:lvl1pPr algn="l">
+              <a:defRPr sz="1200"/>
+            </a:lvl1pPr>
+          </a:lstStyle>
+          <a:p>
+            <a:endParaRPr lang="en-US"/>
+          </a:p>
+        </p:txBody>
+      </p:sp>
+      <p:sp>
+        <p:nvSpPr>
+          <p:cNvPr id="7" name="Slide Number Placeholder 6"/>
+          <p:cNvSpPr>
+            <a:spLocks noGrp="1"/>
+          </p:cNvSpPr>
+          <p:nvPr>
+            <p:ph type="sldNum" sz="quarter" idx="5"/>
+          </p:nvPr>
+        </p:nvSpPr>
+        <p:spPr>
+          <a:xfrm>
+            <a:off x="3884613" y="8685213"/>
+            <a:ext cx="2971800" cy="458787"/>
+          </a:xfrm>
+          <a:prstGeom prst="rect">
+            <a:avLst/>
+          </a:prstGeom>
+        </p:spPr>
+        <p:txBody>
+          <a:bodyPr vert="horz" lIns="91440" tIns="45720" rIns="91440" bIns="45720" rtlCol="0" anchor="b"/>
+          <a:lstStyle>
+            <a:lvl1pPr algn="r">
+              <a:defRPr sz="1200"/>
+            </a:lvl1pPr>
+          </a:lstStyle>
+          <a:p>
+            <a:fld id="{33849D51-57ED-D046-BAC6-8F53ED2A2AAA}" type="slidenum">
+              <a:rPr lang="en-US" smtClean="0"/>
+              <a:t>‹#›</a:t>
+            </a:fld>
+            <a:endParaRPr lang="en-US"/>
+          </a:p>
+        </p:txBody>
+      </p:sp>
+    </p:spTree>
+    <p:extLst>
+      <p:ext uri="{BB962C8B-B14F-4D97-AF65-F5344CB8AC3E}">
+        <p14:creationId xmlns:p14="http://schemas.microsoft.com/office/powerpoint/2010/main" val="1992671547"/>
+      </p:ext>
+    </p:extLst>
+  </p:cSld>
+  <p:clrMap bg1="lt1" tx1="dk1" bg2="lt2" tx2="dk2" accent1="accent1" accent2="accent2" accent3="accent3" accent4="accent4" accent5="accent5" accent6="accent6" hlink="hlink" folHlink="folHlink"/>
+  <p:notesStyle>
+    <a:lvl1pPr marL="0" algn="l" defTabSz="914400" rtl="0" eaLnBrk="1" latinLnBrk="0" hangingPunct="1">
+      <a:defRPr sz="1200" kern="1200">
+        <a:solidFill>
+          <a:schemeClr val="tx1"/>
+        </a:solidFill>
+        <a:latin typeface="+mn-lt"/>
+        <a:ea typeface="+mn-ea"/>
+        <a:cs typeface="+mn-cs"/>
+      </a:defRPr>
+    </a:lvl1pPr>
+    <a:lvl2pPr marL="457200" algn="l" defTabSz="914400" rtl="0" eaLnBrk="1" latinLnBrk="0" hangingPunct="1">
+      <a:defRPr sz="1200" kern="1200">
+        <a:solidFill>
+          <a:schemeClr val="tx1"/>
+        </a:solidFill>
+        <a:latin typeface="+mn-lt"/>
+        <a:ea typeface="+mn-ea"/>
+        <a:cs typeface="+mn-cs"/>
+      </a:defRPr>
+    </a:lvl2pPr>
+    <a:lvl3pPr marL="914400" algn="l" defTabSz="914400" rtl="0" eaLnBrk="1" latinLnBrk="0" hangingPunct="1">
+      <a:defRPr sz="1200" kern="1200">
+        <a:solidFill>
+          <a:schemeClr val="tx1"/>
+        </a:solidFill>
+        <a:latin typeface="+mn-lt"/>
+        <a:ea typeface="+mn-ea"/>
+        <a:cs typeface="+mn-cs"/>
+      </a:defRPr>
+    </a:lvl3pPr>
+    <a:lvl4pPr marL="1371600" algn="l" defTabSz="914400" rtl="0" eaLnBrk="1" latinLnBrk="0" hangingPunct="1">
+      <a:defRPr sz="1200" kern="1200">
+        <a:solidFill>
+          <a:schemeClr val="tx1"/>
+        </a:solidFill>
+        <a:latin typeface="+mn-lt"/>
+        <a:ea typeface="+mn-ea"/>
+        <a:cs typeface="+mn-cs"/>
+      </a:defRPr>
+    </a:lvl4pPr>
+    <a:lvl5pPr marL="1828800" algn="l" defTabSz="914400" rtl="0" eaLnBrk="1" latinLnBrk="0" hangingPunct="1">
+      <a:defRPr sz="1200" kern="1200">
+        <a:solidFill>
+          <a:schemeClr val="tx1"/>
+        </a:solidFill>
+        <a:latin typeface="+mn-lt"/>
+        <a:ea typeface="+mn-ea"/>
+        <a:cs typeface="+mn-cs"/>
+      </a:defRPr>
+    </a:lvl5pPr>
+    <a:lvl6pPr marL="2286000" algn="l" defTabSz="914400" rtl="0" eaLnBrk="1" latinLnBrk="0" hangingPunct="1">
+      <a:defRPr sz="1200" kern="1200">
+        <a:solidFill>
+          <a:schemeClr val="tx1"/>
+        </a:solidFill>
+        <a:latin typeface="+mn-lt"/>
+        <a:ea typeface="+mn-ea"/>
+        <a:cs typeface="+mn-cs"/>
+      </a:defRPr>
+    </a:lvl6pPr>
+    <a:lvl7pPr marL="2743200" algn="l" defTabSz="914400" rtl="0" eaLnBrk="1" latinLnBrk="0" hangingPunct="1">
+      <a:defRPr sz="1200" kern="1200">
+        <a:solidFill>
+          <a:schemeClr val="tx1"/>
+        </a:solidFill>
+        <a:latin typeface="+mn-lt"/>
+        <a:ea typeface="+mn-ea"/>
+        <a:cs typeface="+mn-cs"/>
+      </a:defRPr>
+    </a:lvl7pPr>
+    <a:lvl8pPr marL="3200400" algn="l" defTabSz="914400" rtl="0" eaLnBrk="1" latinLnBrk="0" hangingPunct="1">
+      <a:defRPr sz="1200" kern="1200">
+        <a:solidFill>
+          <a:schemeClr val="tx1"/>
+        </a:solidFill>
+        <a:latin typeface="+mn-lt"/>
+        <a:ea typeface="+mn-ea"/>
+        <a:cs typeface="+mn-cs"/>
+      </a:defRPr>
+    </a:lvl8pPr>
+    <a:lvl9pPr marL="3657600" algn="l" defTabSz="914400" rtl="0" eaLnBrk="1" latinLnBrk="0" hangingPunct="1">
+      <a:defRPr sz="1200" kern="1200">
+        <a:solidFill>
+          <a:schemeClr val="tx1"/>
+        </a:solidFill>
+        <a:latin typeface="+mn-lt"/>
+        <a:ea typeface="+mn-ea"/>
+        <a:cs typeface="+mn-cs"/>
+      </a:defRPr>
+    </a:lvl9pPr>
+  </p:notesStyle>
+</p:notesMaster>
+</file>
+
+<file path=ppt/notesSlides/notesSlide1.xml><?xml version="1.0" encoding="utf-8"?>
+<p:notes xmlns:a="http://schemas.openxmlformats.org/drawingml/2006/main" xmlns:r="http://schemas.openxmlformats.org/officeDocument/2006/relationships" xmlns:p="http://schemas.openxmlformats.org/presentationml/2006/main">
+  <p:cSld>
+    <p:spTree>
+      <p:nvGrpSpPr>
+        <p:cNvPr id="1" name=""/>
+        <p:cNvGrpSpPr/>
+        <p:nvPr/>
+      </p:nvGrpSpPr>
+      <p:grpSpPr>
+        <a:xfrm>
+          <a:off x="0" y="0"/>
+          <a:ext cx="0" cy="0"/>
+          <a:chOff x="0" y="0"/>
+          <a:chExt cx="0" cy="0"/>
+        </a:xfrm>
+      </p:grpSpPr>
+      <p:sp>
+        <p:nvSpPr>
+          <p:cNvPr id="2" name="Slide Image Placeholder 1"/>
+          <p:cNvSpPr>
+            <a:spLocks noGrp="1" noRot="1" noChangeAspect="1"/>
+          </p:cNvSpPr>
+          <p:nvPr>
+            <p:ph type="sldImg"/>
+          </p:nvPr>
+        </p:nvSpPr>
+        <p:spPr/>
+      </p:sp>
+      <p:sp>
+        <p:nvSpPr>
+          <p:cNvPr id="3" name="Notes Placeholder 2"/>
+          <p:cNvSpPr>
+            <a:spLocks noGrp="1"/>
+          </p:cNvSpPr>
+          <p:nvPr>
+            <p:ph type="body" idx="1"/>
+          </p:nvPr>
+        </p:nvSpPr>
+        <p:spPr/>
+        <p:txBody>
+          <a:bodyPr/>
+          <a:lstStyle/>
+          <a:p>
+            <a:r>
+              <a:rPr lang="en-US" dirty="0" smtClean="0"/>
+              <a:t>Education</a:t>
+            </a:r>
+            <a:r>
+              <a:rPr lang="en-US" baseline="0" dirty="0" smtClean="0"/>
+              <a:t> is an important piece of our society and is integral for the development and success of many citizens of the US. However, the quality of education and school environmental factors are key for productive learning and overall student success rate. </a:t>
+            </a:r>
+            <a:r>
+              <a:rPr lang="en-US" dirty="0" smtClean="0"/>
+              <a:t>This</a:t>
+            </a:r>
+            <a:r>
+              <a:rPr lang="en-US" baseline="0" dirty="0" smtClean="0"/>
+              <a:t> data science project was to identify factors affecting parent and student satisfaction of New York City public high schools. </a:t>
+            </a:r>
+            <a:endParaRPr lang="en-US" dirty="0"/>
+          </a:p>
+        </p:txBody>
+      </p:sp>
+      <p:sp>
+        <p:nvSpPr>
+          <p:cNvPr id="4" name="Slide Number Placeholder 3"/>
+          <p:cNvSpPr>
+            <a:spLocks noGrp="1"/>
+          </p:cNvSpPr>
+          <p:nvPr>
+            <p:ph type="sldNum" sz="quarter" idx="10"/>
+          </p:nvPr>
+        </p:nvSpPr>
+        <p:spPr/>
+        <p:txBody>
+          <a:bodyPr/>
+          <a:lstStyle/>
+          <a:p>
+            <a:fld id="{33849D51-57ED-D046-BAC6-8F53ED2A2AAA}" type="slidenum">
+              <a:rPr lang="en-US" smtClean="0"/>
+              <a:t>1</a:t>
+            </a:fld>
+            <a:endParaRPr lang="en-US"/>
+          </a:p>
+        </p:txBody>
+      </p:sp>
+    </p:spTree>
+    <p:extLst>
+      <p:ext uri="{BB962C8B-B14F-4D97-AF65-F5344CB8AC3E}">
+        <p14:creationId xmlns:p14="http://schemas.microsoft.com/office/powerpoint/2010/main" val="1984959937"/>
+      </p:ext>
+    </p:extLst>
+  </p:cSld>
+  <p:clrMapOvr>
+    <a:masterClrMapping/>
+  </p:clrMapOvr>
+</p:notes>
+</file>
+
+<file path=ppt/notesSlides/notesSlide2.xml><?xml version="1.0" encoding="utf-8"?>
+<p:notes xmlns:a="http://schemas.openxmlformats.org/drawingml/2006/main" xmlns:r="http://schemas.openxmlformats.org/officeDocument/2006/relationships" xmlns:p="http://schemas.openxmlformats.org/presentationml/2006/main">
+  <p:cSld>
+    <p:spTree>
+      <p:nvGrpSpPr>
+        <p:cNvPr id="1" name=""/>
+        <p:cNvGrpSpPr/>
+        <p:nvPr/>
+      </p:nvGrpSpPr>
+      <p:grpSpPr>
+        <a:xfrm>
+          <a:off x="0" y="0"/>
+          <a:ext cx="0" cy="0"/>
+          <a:chOff x="0" y="0"/>
+          <a:chExt cx="0" cy="0"/>
+        </a:xfrm>
+      </p:grpSpPr>
+      <p:sp>
+        <p:nvSpPr>
+          <p:cNvPr id="2" name="Slide Image Placeholder 1"/>
+          <p:cNvSpPr>
+            <a:spLocks noGrp="1" noRot="1" noChangeAspect="1"/>
+          </p:cNvSpPr>
+          <p:nvPr>
+            <p:ph type="sldImg"/>
+          </p:nvPr>
+        </p:nvSpPr>
+        <p:spPr/>
+      </p:sp>
+      <p:sp>
+        <p:nvSpPr>
+          <p:cNvPr id="3" name="Notes Placeholder 2"/>
+          <p:cNvSpPr>
+            <a:spLocks noGrp="1"/>
+          </p:cNvSpPr>
+          <p:nvPr>
+            <p:ph type="body" idx="1"/>
+          </p:nvPr>
+        </p:nvSpPr>
+        <p:spPr/>
+        <p:txBody>
+          <a:bodyPr/>
+          <a:lstStyle/>
+          <a:p>
+            <a:r>
+              <a:rPr lang="en-US" dirty="0" smtClean="0"/>
+              <a:t>The New York</a:t>
+            </a:r>
+            <a:r>
+              <a:rPr lang="en-US" baseline="0" dirty="0" smtClean="0"/>
+              <a:t> City Department of Education releases the annual results of their NYC School Survey, which is distributed at 436 high schools. This survey collects responses from parents and students pertaining to ^^^</a:t>
+            </a:r>
+            <a:r>
+              <a:rPr lang="en-US" b="1" baseline="0" dirty="0" smtClean="0"/>
+              <a:t>LIST OF VARIABLES^^^</a:t>
+            </a:r>
+            <a:r>
+              <a:rPr lang="en-US" baseline="0" dirty="0" smtClean="0"/>
+              <a:t>. </a:t>
+            </a:r>
+            <a:endParaRPr lang="en-US" dirty="0"/>
+          </a:p>
+        </p:txBody>
+      </p:sp>
+      <p:sp>
+        <p:nvSpPr>
+          <p:cNvPr id="4" name="Slide Number Placeholder 3"/>
+          <p:cNvSpPr>
+            <a:spLocks noGrp="1"/>
+          </p:cNvSpPr>
+          <p:nvPr>
+            <p:ph type="sldNum" sz="quarter" idx="10"/>
+          </p:nvPr>
+        </p:nvSpPr>
+        <p:spPr/>
+        <p:txBody>
+          <a:bodyPr/>
+          <a:lstStyle/>
+          <a:p>
+            <a:fld id="{33849D51-57ED-D046-BAC6-8F53ED2A2AAA}" type="slidenum">
+              <a:rPr lang="en-US" smtClean="0"/>
+              <a:t>2</a:t>
+            </a:fld>
+            <a:endParaRPr lang="en-US"/>
+          </a:p>
+        </p:txBody>
+      </p:sp>
+    </p:spTree>
+    <p:extLst>
+      <p:ext uri="{BB962C8B-B14F-4D97-AF65-F5344CB8AC3E}">
+        <p14:creationId xmlns:p14="http://schemas.microsoft.com/office/powerpoint/2010/main" val="847130827"/>
+      </p:ext>
+    </p:extLst>
+  </p:cSld>
+  <p:clrMapOvr>
+    <a:masterClrMapping/>
+  </p:clrMapOvr>
+</p:notes>
+</file>
+
+<file path=ppt/notesSlides/notesSlide3.xml><?xml version="1.0" encoding="utf-8"?>
+<p:notes xmlns:a="http://schemas.openxmlformats.org/drawingml/2006/main" xmlns:r="http://schemas.openxmlformats.org/officeDocument/2006/relationships" xmlns:p="http://schemas.openxmlformats.org/presentationml/2006/main">
+  <p:cSld>
+    <p:spTree>
+      <p:nvGrpSpPr>
+        <p:cNvPr id="1" name=""/>
+        <p:cNvGrpSpPr/>
+        <p:nvPr/>
+      </p:nvGrpSpPr>
+      <p:grpSpPr>
+        <a:xfrm>
+          <a:off x="0" y="0"/>
+          <a:ext cx="0" cy="0"/>
+          <a:chOff x="0" y="0"/>
+          <a:chExt cx="0" cy="0"/>
+        </a:xfrm>
+      </p:grpSpPr>
+      <p:sp>
+        <p:nvSpPr>
+          <p:cNvPr id="2" name="Slide Image Placeholder 1"/>
+          <p:cNvSpPr>
+            <a:spLocks noGrp="1" noRot="1" noChangeAspect="1"/>
+          </p:cNvSpPr>
+          <p:nvPr>
+            <p:ph type="sldImg"/>
+          </p:nvPr>
+        </p:nvSpPr>
+        <p:spPr/>
+      </p:sp>
+      <p:sp>
+        <p:nvSpPr>
+          <p:cNvPr id="3" name="Notes Placeholder 2"/>
+          <p:cNvSpPr>
+            <a:spLocks noGrp="1"/>
+          </p:cNvSpPr>
+          <p:nvPr>
+            <p:ph type="body" idx="1"/>
+          </p:nvPr>
+        </p:nvSpPr>
+        <p:spPr/>
+        <p:txBody>
+          <a:bodyPr/>
+          <a:lstStyle/>
+          <a:p>
+            <a:r>
+              <a:rPr lang="en-US" dirty="0" smtClean="0"/>
+              <a:t>Additionally, New</a:t>
+            </a:r>
+            <a:r>
+              <a:rPr lang="en-US" baseline="0" dirty="0" smtClean="0"/>
+              <a:t> York City has made the “High Schools At a Glance” dataset, which provides data mostly for a tool used by parents for choosing schools based on a number of factors, such as </a:t>
+            </a:r>
+            <a:r>
+              <a:rPr lang="en-US" b="1" baseline="0" dirty="0" smtClean="0"/>
+              <a:t>^^LIST OF VARIABLES^^.</a:t>
+            </a:r>
+            <a:r>
+              <a:rPr lang="en-US" b="0" baseline="0" dirty="0" smtClean="0"/>
+              <a:t> These variables give insight on key statistics on these schools.</a:t>
+            </a:r>
+            <a:endParaRPr lang="en-US" dirty="0"/>
+          </a:p>
+        </p:txBody>
+      </p:sp>
+      <p:sp>
+        <p:nvSpPr>
+          <p:cNvPr id="4" name="Slide Number Placeholder 3"/>
+          <p:cNvSpPr>
+            <a:spLocks noGrp="1"/>
+          </p:cNvSpPr>
+          <p:nvPr>
+            <p:ph type="sldNum" sz="quarter" idx="10"/>
+          </p:nvPr>
+        </p:nvSpPr>
+        <p:spPr/>
+        <p:txBody>
+          <a:bodyPr/>
+          <a:lstStyle/>
+          <a:p>
+            <a:fld id="{33849D51-57ED-D046-BAC6-8F53ED2A2AAA}" type="slidenum">
+              <a:rPr lang="en-US" smtClean="0"/>
+              <a:t>3</a:t>
+            </a:fld>
+            <a:endParaRPr lang="en-US"/>
+          </a:p>
+        </p:txBody>
+      </p:sp>
+    </p:spTree>
+    <p:extLst>
+      <p:ext uri="{BB962C8B-B14F-4D97-AF65-F5344CB8AC3E}">
+        <p14:creationId xmlns:p14="http://schemas.microsoft.com/office/powerpoint/2010/main" val="823215464"/>
+      </p:ext>
+    </p:extLst>
+  </p:cSld>
+  <p:clrMapOvr>
+    <a:masterClrMapping/>
+  </p:clrMapOvr>
+</p:notes>
+</file>
+
+<file path=ppt/notesSlides/notesSlide4.xml><?xml version="1.0" encoding="utf-8"?>
+<p:notes xmlns:a="http://schemas.openxmlformats.org/drawingml/2006/main" xmlns:r="http://schemas.openxmlformats.org/officeDocument/2006/relationships" xmlns:p="http://schemas.openxmlformats.org/presentationml/2006/main">
+  <p:cSld>
+    <p:spTree>
+      <p:nvGrpSpPr>
+        <p:cNvPr id="1" name=""/>
+        <p:cNvGrpSpPr/>
+        <p:nvPr/>
+      </p:nvGrpSpPr>
+      <p:grpSpPr>
+        <a:xfrm>
+          <a:off x="0" y="0"/>
+          <a:ext cx="0" cy="0"/>
+          <a:chOff x="0" y="0"/>
+          <a:chExt cx="0" cy="0"/>
+        </a:xfrm>
+      </p:grpSpPr>
+      <p:sp>
+        <p:nvSpPr>
+          <p:cNvPr id="2" name="Slide Image Placeholder 1"/>
+          <p:cNvSpPr>
+            <a:spLocks noGrp="1" noRot="1" noChangeAspect="1"/>
+          </p:cNvSpPr>
+          <p:nvPr>
+            <p:ph type="sldImg"/>
+          </p:nvPr>
+        </p:nvSpPr>
+        <p:spPr/>
+      </p:sp>
+      <p:sp>
+        <p:nvSpPr>
+          <p:cNvPr id="3" name="Notes Placeholder 2"/>
+          <p:cNvSpPr>
+            <a:spLocks noGrp="1"/>
+          </p:cNvSpPr>
+          <p:nvPr>
+            <p:ph type="body" idx="1"/>
+          </p:nvPr>
+        </p:nvSpPr>
+        <p:spPr/>
+        <p:txBody>
+          <a:bodyPr/>
+          <a:lstStyle/>
+          <a:p>
+            <a:r>
+              <a:rPr lang="en-US" dirty="0" smtClean="0"/>
+              <a:t>Additionally, we integrated demographic and socioeconomic information,</a:t>
+            </a:r>
+            <a:r>
+              <a:rPr lang="en-US" baseline="0" dirty="0" smtClean="0"/>
+              <a:t> including the percent of minority students (in orange) and the percent of students considered to be in poverty based on their parents income (in blue). The distribution of these variables show that the high schools in New York City are highly diverse and a high percentage of their students are in poverty. </a:t>
+            </a:r>
+            <a:endParaRPr lang="en-US" dirty="0"/>
+          </a:p>
+        </p:txBody>
+      </p:sp>
+      <p:sp>
+        <p:nvSpPr>
+          <p:cNvPr id="4" name="Slide Number Placeholder 3"/>
+          <p:cNvSpPr>
+            <a:spLocks noGrp="1"/>
+          </p:cNvSpPr>
+          <p:nvPr>
+            <p:ph type="sldNum" sz="quarter" idx="10"/>
+          </p:nvPr>
+        </p:nvSpPr>
+        <p:spPr/>
+        <p:txBody>
+          <a:bodyPr/>
+          <a:lstStyle/>
+          <a:p>
+            <a:fld id="{33849D51-57ED-D046-BAC6-8F53ED2A2AAA}" type="slidenum">
+              <a:rPr lang="en-US" smtClean="0"/>
+              <a:t>4</a:t>
+            </a:fld>
+            <a:endParaRPr lang="en-US"/>
+          </a:p>
+        </p:txBody>
+      </p:sp>
+    </p:spTree>
+    <p:extLst>
+      <p:ext uri="{BB962C8B-B14F-4D97-AF65-F5344CB8AC3E}">
+        <p14:creationId xmlns:p14="http://schemas.microsoft.com/office/powerpoint/2010/main" val="1526144493"/>
+      </p:ext>
+    </p:extLst>
+  </p:cSld>
+  <p:clrMapOvr>
+    <a:masterClrMapping/>
+  </p:clrMapOvr>
+</p:notes>
+</file>
+
+<file path=ppt/notesSlides/notesSlide5.xml><?xml version="1.0" encoding="utf-8"?>
+<p:notes xmlns:a="http://schemas.openxmlformats.org/drawingml/2006/main" xmlns:r="http://schemas.openxmlformats.org/officeDocument/2006/relationships" xmlns:p="http://schemas.openxmlformats.org/presentationml/2006/main">
+  <p:cSld>
+    <p:spTree>
+      <p:nvGrpSpPr>
+        <p:cNvPr id="1" name=""/>
+        <p:cNvGrpSpPr/>
+        <p:nvPr/>
+      </p:nvGrpSpPr>
+      <p:grpSpPr>
+        <a:xfrm>
+          <a:off x="0" y="0"/>
+          <a:ext cx="0" cy="0"/>
+          <a:chOff x="0" y="0"/>
+          <a:chExt cx="0" cy="0"/>
+        </a:xfrm>
+      </p:grpSpPr>
+      <p:sp>
+        <p:nvSpPr>
+          <p:cNvPr id="2" name="Slide Image Placeholder 1"/>
+          <p:cNvSpPr>
+            <a:spLocks noGrp="1" noRot="1" noChangeAspect="1"/>
+          </p:cNvSpPr>
+          <p:nvPr>
+            <p:ph type="sldImg"/>
+          </p:nvPr>
+        </p:nvSpPr>
+        <p:spPr/>
+      </p:sp>
+      <p:sp>
+        <p:nvSpPr>
+          <p:cNvPr id="3" name="Notes Placeholder 2"/>
+          <p:cNvSpPr>
+            <a:spLocks noGrp="1"/>
+          </p:cNvSpPr>
+          <p:nvPr>
+            <p:ph type="body" idx="1"/>
+          </p:nvPr>
+        </p:nvSpPr>
+        <p:spPr/>
+        <p:txBody>
+          <a:bodyPr/>
+          <a:lstStyle/>
+          <a:p>
+            <a:r>
+              <a:rPr lang="en-US" dirty="0" smtClean="0"/>
+              <a:t>We</a:t>
+            </a:r>
+            <a:r>
+              <a:rPr lang="en-US" baseline="0" dirty="0" smtClean="0"/>
+              <a:t> also explored the distributions of the parent response rate (in blue), parent percent satisfaction (in green), and student percent satisfaction (in red). This shows that there is a relatively broad distribution in student satisfaction between 40-90% while the parent satisfaction is a tight curve between 80-100%.</a:t>
+            </a:r>
+          </a:p>
+          <a:p>
+            <a:endParaRPr lang="en-US" baseline="0" dirty="0" smtClean="0"/>
+          </a:p>
+          <a:p>
+            <a:r>
+              <a:rPr lang="en-US" baseline="0" dirty="0" smtClean="0"/>
+              <a:t>When we considered both the high minority and high poverty rates combined with this disparity in student and parent satisfaction, we decided to ask some questions about the relationships between environmental and educational factors and </a:t>
+            </a:r>
+            <a:endParaRPr lang="en-US" dirty="0"/>
+          </a:p>
+        </p:txBody>
+      </p:sp>
+      <p:sp>
+        <p:nvSpPr>
+          <p:cNvPr id="4" name="Slide Number Placeholder 3"/>
+          <p:cNvSpPr>
+            <a:spLocks noGrp="1"/>
+          </p:cNvSpPr>
+          <p:nvPr>
+            <p:ph type="sldNum" sz="quarter" idx="10"/>
+          </p:nvPr>
+        </p:nvSpPr>
+        <p:spPr/>
+        <p:txBody>
+          <a:bodyPr/>
+          <a:lstStyle/>
+          <a:p>
+            <a:fld id="{33849D51-57ED-D046-BAC6-8F53ED2A2AAA}" type="slidenum">
+              <a:rPr lang="en-US" smtClean="0"/>
+              <a:t>5</a:t>
+            </a:fld>
+            <a:endParaRPr lang="en-US"/>
+          </a:p>
+        </p:txBody>
+      </p:sp>
+    </p:spTree>
+    <p:extLst>
+      <p:ext uri="{BB962C8B-B14F-4D97-AF65-F5344CB8AC3E}">
+        <p14:creationId xmlns:p14="http://schemas.microsoft.com/office/powerpoint/2010/main" val="1572966952"/>
+      </p:ext>
+    </p:extLst>
+  </p:cSld>
+  <p:clrMapOvr>
+    <a:masterClrMapping/>
+  </p:clrMapOvr>
+</p:notes>
 </file>
 
 <file path=ppt/slideLayouts/slideLayout1.xml><?xml version="1.0" encoding="utf-8"?>
@@ -247,7 +1109,7 @@
             <a:fld id="{87DE6118-2437-4B30-8E3C-4D2BE6020583}" type="datetimeFigureOut">
               <a:rPr lang="en-US" smtClean="0"/>
               <a:pPr/>
-              <a:t>12/2/2016</a:t>
+              <a:t>12/3/16</a:t>
             </a:fld>
             <a:endParaRPr lang="en-US" dirty="0"/>
           </a:p>
@@ -418,7 +1280,7 @@
           <a:p>
             <a:fld id="{87DE6118-2437-4B30-8E3C-4D2BE6020583}" type="datetimeFigureOut">
               <a:rPr lang="en-US" smtClean="0"/>
-              <a:t>12/2/2016</a:t>
+              <a:t>12/3/16</a:t>
             </a:fld>
             <a:endParaRPr lang="en-US" dirty="0"/>
           </a:p>
@@ -598,7 +1460,7 @@
           <a:p>
             <a:fld id="{87DE6118-2437-4B30-8E3C-4D2BE6020583}" type="datetimeFigureOut">
               <a:rPr lang="en-US" smtClean="0"/>
-              <a:t>12/2/2016</a:t>
+              <a:t>12/3/16</a:t>
             </a:fld>
             <a:endParaRPr lang="en-US" dirty="0"/>
           </a:p>
@@ -768,7 +1630,7 @@
           <a:p>
             <a:fld id="{87DE6118-2437-4B30-8E3C-4D2BE6020583}" type="datetimeFigureOut">
               <a:rPr lang="en-US" smtClean="0"/>
-              <a:t>12/2/2016</a:t>
+              <a:t>12/3/16</a:t>
             </a:fld>
             <a:endParaRPr lang="en-US" dirty="0"/>
           </a:p>
@@ -1015,7 +1877,7 @@
             <a:fld id="{87DE6118-2437-4B30-8E3C-4D2BE6020583}" type="datetimeFigureOut">
               <a:rPr lang="en-US" smtClean="0"/>
               <a:pPr/>
-              <a:t>12/2/2016</a:t>
+              <a:t>12/3/16</a:t>
             </a:fld>
             <a:endParaRPr lang="en-US" dirty="0"/>
           </a:p>
@@ -1248,7 +2110,7 @@
           <a:p>
             <a:fld id="{87DE6118-2437-4B30-8E3C-4D2BE6020583}" type="datetimeFigureOut">
               <a:rPr lang="en-US" smtClean="0"/>
-              <a:t>12/2/2016</a:t>
+              <a:t>12/3/16</a:t>
             </a:fld>
             <a:endParaRPr lang="en-US" dirty="0"/>
           </a:p>
@@ -1615,7 +2477,7 @@
           <a:p>
             <a:fld id="{87DE6118-2437-4B30-8E3C-4D2BE6020583}" type="datetimeFigureOut">
               <a:rPr lang="en-US" smtClean="0"/>
-              <a:t>12/2/2016</a:t>
+              <a:t>12/3/16</a:t>
             </a:fld>
             <a:endParaRPr lang="en-US" dirty="0"/>
           </a:p>
@@ -1733,7 +2595,7 @@
           <a:p>
             <a:fld id="{87DE6118-2437-4B30-8E3C-4D2BE6020583}" type="datetimeFigureOut">
               <a:rPr lang="en-US" smtClean="0"/>
-              <a:t>12/2/2016</a:t>
+              <a:t>12/3/16</a:t>
             </a:fld>
             <a:endParaRPr lang="en-US" dirty="0"/>
           </a:p>
@@ -1828,7 +2690,7 @@
           <a:p>
             <a:fld id="{87DE6118-2437-4B30-8E3C-4D2BE6020583}" type="datetimeFigureOut">
               <a:rPr lang="en-US" smtClean="0"/>
-              <a:t>12/2/2016</a:t>
+              <a:t>12/3/16</a:t>
             </a:fld>
             <a:endParaRPr lang="en-US" dirty="0"/>
           </a:p>
@@ -2106,7 +2968,7 @@
             <a:fld id="{87DE6118-2437-4B30-8E3C-4D2BE6020583}" type="datetimeFigureOut">
               <a:rPr lang="en-US" smtClean="0"/>
               <a:pPr/>
-              <a:t>12/2/2016</a:t>
+              <a:t>12/3/16</a:t>
             </a:fld>
             <a:endParaRPr lang="en-US" dirty="0"/>
           </a:p>
@@ -2361,7 +3223,7 @@
             <a:fld id="{87DE6118-2437-4B30-8E3C-4D2BE6020583}" type="datetimeFigureOut">
               <a:rPr lang="en-US" smtClean="0"/>
               <a:pPr/>
-              <a:t>12/2/2016</a:t>
+              <a:t>12/3/16</a:t>
             </a:fld>
             <a:endParaRPr lang="en-US" dirty="0"/>
           </a:p>
@@ -2581,7 +3443,7 @@
             <a:fld id="{87DE6118-2437-4B30-8E3C-4D2BE6020583}" type="datetimeFigureOut">
               <a:rPr lang="en-US" smtClean="0"/>
               <a:pPr/>
-              <a:t>12/2/2016</a:t>
+              <a:t>12/3/16</a:t>
             </a:fld>
             <a:endParaRPr lang="en-US" dirty="0"/>
           </a:p>
@@ -2969,7 +3831,7 @@
   </p:txStyles>
   <p:extLst>
     <p:ext uri="{27BBF7A9-308A-43DC-89C8-2F10F3537804}">
-      <p15:sldGuideLst xmlns:p15="http://schemas.microsoft.com/office/powerpoint/2012/main" xmlns=""/>
+      <p15:sldGuideLst xmlns:p15="http://schemas.microsoft.com/office/powerpoint/2012/main"/>
     </p:ext>
   </p:extLst>
 </p:sldMaster>
@@ -3011,15 +3873,30 @@
         </p:spPr>
         <p:txBody>
           <a:bodyPr>
-            <a:normAutofit fontScale="90000"/>
+            <a:normAutofit/>
           </a:bodyPr>
           <a:lstStyle/>
           <a:p>
             <a:r>
-              <a:rPr lang="en-US" dirty="0" smtClean="0"/>
-              <a:t>Factors Affecting Parent and Student Satisfaction of New York City Public High Schools</a:t>
-            </a:r>
-            <a:endParaRPr lang="en-US" dirty="0"/>
+              <a:rPr lang="en-US" sz="4800" dirty="0" smtClean="0"/>
+              <a:t>Factors Affecting Parent and Student Satisfaction of </a:t>
+            </a:r>
+            <a:r>
+              <a:rPr lang="en-US" sz="4800" dirty="0" smtClean="0"/>
+              <a:t/>
+            </a:r>
+            <a:br>
+              <a:rPr lang="en-US" sz="4800" dirty="0" smtClean="0"/>
+            </a:br>
+            <a:r>
+              <a:rPr lang="en-US" sz="4800" dirty="0" smtClean="0"/>
+              <a:t>New </a:t>
+            </a:r>
+            <a:r>
+              <a:rPr lang="en-US" sz="4800" dirty="0" smtClean="0"/>
+              <a:t>York City Public High Schools</a:t>
+            </a:r>
+            <a:endParaRPr lang="en-US" sz="4800" dirty="0"/>
           </a:p>
         </p:txBody>
       </p:sp>
@@ -3073,6 +3950,13 @@
   <p:clrMapOvr>
     <a:masterClrMapping/>
   </p:clrMapOvr>
+  <p:timing>
+    <p:tnLst>
+      <p:par>
+        <p:cTn id="1" dur="indefinite" restart="never" nodeType="tmRoot"/>
+      </p:par>
+    </p:tnLst>
+  </p:timing>
 </p:sld>
 </file>
 
@@ -3182,35 +4066,76 @@
           </a:bodyPr>
           <a:lstStyle/>
           <a:p>
-            <a:pPr marL="0" indent="0">
-              <a:buNone/>
+            <a:pPr>
+              <a:buFontTx/>
+              <a:buChar char="-"/>
             </a:pPr>
             <a:r>
-              <a:rPr lang="en-US" sz="2000" b="1" dirty="0" smtClean="0"/>
-              <a:t>Collects responses from </a:t>
-            </a:r>
-            <a:r>
-              <a:rPr lang="en-US" sz="2000" b="1" u="sng" dirty="0" smtClean="0"/>
-              <a:t>parents and students</a:t>
-            </a:r>
-            <a:r>
-              <a:rPr lang="en-US" sz="2000" b="1" dirty="0" smtClean="0"/>
-              <a:t> </a:t>
-            </a:r>
-          </a:p>
-          <a:p>
-            <a:pPr marL="0" indent="0">
-              <a:buNone/>
+              <a:rPr lang="en-US" sz="2000" dirty="0" smtClean="0"/>
+              <a:t>% </a:t>
+            </a:r>
+            <a:r>
+              <a:rPr lang="en-US" sz="2000" dirty="0" smtClean="0"/>
+              <a:t>Satisfaction with 'Collaborative Teachers’</a:t>
+            </a:r>
+          </a:p>
+          <a:p>
+            <a:pPr>
+              <a:buFontTx/>
+              <a:buChar char="-"/>
             </a:pPr>
             <a:r>
-              <a:rPr lang="en-US" sz="2000" b="1" dirty="0" smtClean="0"/>
-              <a:t>pertaining to the following variables:</a:t>
-            </a:r>
-            <a:r>
-              <a:rPr lang="en-US" sz="1400" b="1" dirty="0" smtClean="0"/>
-              <a:t> </a:t>
-            </a:r>
-            <a:endParaRPr lang="en-US" sz="2000" b="1" dirty="0" smtClean="0"/>
+              <a:rPr lang="en-US" sz="2000" dirty="0" smtClean="0"/>
+              <a:t>% Satisfaction with 'School Leadership’</a:t>
+            </a:r>
+          </a:p>
+          <a:p>
+            <a:pPr>
+              <a:buFontTx/>
+              <a:buChar char="-"/>
+            </a:pPr>
+            <a:r>
+              <a:rPr lang="en-US" sz="2000" dirty="0" smtClean="0"/>
+              <a:t>% Satisfaction with 'Rigorous Instruction' </a:t>
+            </a:r>
+          </a:p>
+          <a:p>
+            <a:pPr>
+              <a:buFontTx/>
+              <a:buChar char="-"/>
+            </a:pPr>
+            <a:r>
+              <a:rPr lang="en-US" sz="2000" dirty="0" smtClean="0"/>
+              <a:t>% Satisfaction with 'Family-Community Ties’</a:t>
+            </a:r>
+          </a:p>
+          <a:p>
+            <a:pPr>
+              <a:buFontTx/>
+              <a:buChar char="-"/>
+            </a:pPr>
+            <a:r>
+              <a:rPr lang="en-US" sz="2000" dirty="0" smtClean="0"/>
+              <a:t>% Satisfaction with 'Supportive Environment’</a:t>
+            </a:r>
+          </a:p>
+          <a:p>
+            <a:pPr>
+              <a:buFontTx/>
+              <a:buChar char="-"/>
+            </a:pPr>
+            <a:r>
+              <a:rPr lang="en-US" sz="2000" dirty="0" smtClean="0"/>
+              <a:t>% Satisfaction with 'Trust</a:t>
+            </a:r>
+            <a:r>
+              <a:rPr lang="en-US" sz="2000" dirty="0" smtClean="0"/>
+              <a:t>’</a:t>
+            </a:r>
+            <a:br>
+              <a:rPr lang="en-US" sz="2000" dirty="0" smtClean="0"/>
+            </a:br>
+            <a:endParaRPr lang="en-US" sz="2000" dirty="0" smtClean="0"/>
           </a:p>
           <a:p>
             <a:pPr>
@@ -3218,66 +4143,6 @@
               <a:buChar char="-"/>
             </a:pPr>
             <a:endParaRPr lang="en-US" sz="2000" dirty="0" smtClean="0"/>
-          </a:p>
-          <a:p>
-            <a:pPr>
-              <a:buFontTx/>
-              <a:buChar char="-"/>
-            </a:pPr>
-            <a:r>
-              <a:rPr lang="en-US" sz="2000" dirty="0" smtClean="0"/>
-              <a:t>% Satisfaction with 'Collaborative Teachers’</a:t>
-            </a:r>
-          </a:p>
-          <a:p>
-            <a:pPr>
-              <a:buFontTx/>
-              <a:buChar char="-"/>
-            </a:pPr>
-            <a:r>
-              <a:rPr lang="en-US" sz="2000" dirty="0" smtClean="0"/>
-              <a:t>% Satisfaction with 'School Leadership’</a:t>
-            </a:r>
-          </a:p>
-          <a:p>
-            <a:pPr>
-              <a:buFontTx/>
-              <a:buChar char="-"/>
-            </a:pPr>
-            <a:r>
-              <a:rPr lang="en-US" sz="2000" dirty="0" smtClean="0"/>
-              <a:t>% Satisfaction with 'Rigorous Instruction' </a:t>
-            </a:r>
-          </a:p>
-          <a:p>
-            <a:pPr>
-              <a:buFontTx/>
-              <a:buChar char="-"/>
-            </a:pPr>
-            <a:r>
-              <a:rPr lang="en-US" sz="2000" dirty="0" smtClean="0"/>
-              <a:t>% Satisfaction with 'Family-Community Ties’</a:t>
-            </a:r>
-          </a:p>
-          <a:p>
-            <a:pPr>
-              <a:buFontTx/>
-              <a:buChar char="-"/>
-            </a:pPr>
-            <a:r>
-              <a:rPr lang="en-US" sz="2000" dirty="0" smtClean="0"/>
-              <a:t>% Satisfaction with 'Supportive Environment’</a:t>
-            </a:r>
-          </a:p>
-          <a:p>
-            <a:pPr>
-              <a:buFontTx/>
-              <a:buChar char="-"/>
-            </a:pPr>
-            <a:r>
-              <a:rPr lang="en-US" sz="2000" dirty="0" smtClean="0"/>
-              <a:t>% Satisfaction with 'Trust’</a:t>
-            </a:r>
           </a:p>
           <a:p>
             <a:pPr>
@@ -3313,7 +4178,7 @@
           <p:nvPr/>
         </p:nvPicPr>
         <p:blipFill>
-          <a:blip r:embed="rId2">
+          <a:blip r:embed="rId3">
             <a:extLst>
               <a:ext uri="{28A0092B-C50C-407E-A947-70E740481C1C}">
                 <a14:useLocalDpi xmlns:a14="http://schemas.microsoft.com/office/drawing/2010/main" val="0"/>
@@ -3368,6 +4233,98 @@
           </a:p>
         </p:txBody>
       </p:sp>
+      <p:sp>
+        <p:nvSpPr>
+          <p:cNvPr id="5" name="Rectangle 4"/>
+          <p:cNvSpPr/>
+          <p:nvPr/>
+        </p:nvSpPr>
+        <p:spPr>
+          <a:xfrm>
+            <a:off x="6134100" y="2051658"/>
+            <a:ext cx="5257800" cy="2434106"/>
+          </a:xfrm>
+          <a:prstGeom prst="rect">
+            <a:avLst/>
+          </a:prstGeom>
+          <a:noFill/>
+          <a:ln w="38100">
+            <a:solidFill>
+              <a:srgbClr val="92D050"/>
+            </a:solidFill>
+          </a:ln>
+        </p:spPr>
+        <p:style>
+          <a:lnRef idx="2">
+            <a:schemeClr val="accent1">
+              <a:shade val="50000"/>
+            </a:schemeClr>
+          </a:lnRef>
+          <a:fillRef idx="1">
+            <a:schemeClr val="accent1"/>
+          </a:fillRef>
+          <a:effectRef idx="0">
+            <a:schemeClr val="accent1"/>
+          </a:effectRef>
+          <a:fontRef idx="minor">
+            <a:schemeClr val="lt1"/>
+          </a:fontRef>
+        </p:style>
+        <p:txBody>
+          <a:bodyPr rtlCol="0" anchor="ctr"/>
+          <a:lstStyle/>
+          <a:p>
+            <a:pPr algn="ctr"/>
+            <a:endParaRPr lang="en-US"/>
+          </a:p>
+        </p:txBody>
+      </p:sp>
+      <p:sp>
+        <p:nvSpPr>
+          <p:cNvPr id="8" name="Rectangle 7"/>
+          <p:cNvSpPr/>
+          <p:nvPr/>
+        </p:nvSpPr>
+        <p:spPr>
+          <a:xfrm>
+            <a:off x="6096000" y="5087567"/>
+            <a:ext cx="5257800" cy="893932"/>
+          </a:xfrm>
+          <a:prstGeom prst="rect">
+            <a:avLst/>
+          </a:prstGeom>
+          <a:noFill/>
+          <a:ln w="38100">
+            <a:solidFill>
+              <a:schemeClr val="accent2"/>
+            </a:solidFill>
+          </a:ln>
+        </p:spPr>
+        <p:style>
+          <a:lnRef idx="2">
+            <a:schemeClr val="accent1">
+              <a:shade val="50000"/>
+            </a:schemeClr>
+          </a:lnRef>
+          <a:fillRef idx="1">
+            <a:schemeClr val="accent1"/>
+          </a:fillRef>
+          <a:effectRef idx="0">
+            <a:schemeClr val="accent1"/>
+          </a:effectRef>
+          <a:fontRef idx="minor">
+            <a:schemeClr val="lt1"/>
+          </a:fontRef>
+        </p:style>
+        <p:txBody>
+          <a:bodyPr rtlCol="0" anchor="ctr"/>
+          <a:lstStyle/>
+          <a:p>
+            <a:pPr algn="ctr"/>
+            <a:endParaRPr lang="en-US"/>
+          </a:p>
+        </p:txBody>
+      </p:sp>
     </p:spTree>
     <p:extLst>
       <p:ext uri="{BB962C8B-B14F-4D97-AF65-F5344CB8AC3E}">
@@ -3378,6 +4335,486 @@
   <p:clrMapOvr>
     <a:masterClrMapping/>
   </p:clrMapOvr>
+  <p:timing>
+    <p:tnLst>
+      <p:par>
+        <p:cTn id="1" dur="indefinite" restart="never" nodeType="tmRoot">
+          <p:childTnLst>
+            <p:seq concurrent="1" nextAc="seek">
+              <p:cTn id="2" dur="indefinite" nodeType="mainSeq">
+                <p:childTnLst>
+                  <p:par>
+                    <p:cTn id="3" fill="hold">
+                      <p:stCondLst>
+                        <p:cond delay="indefinite"/>
+                      </p:stCondLst>
+                      <p:childTnLst>
+                        <p:par>
+                          <p:cTn id="4" fill="hold">
+                            <p:stCondLst>
+                              <p:cond delay="0"/>
+                            </p:stCondLst>
+                            <p:childTnLst>
+                              <p:par>
+                                <p:cTn id="5" presetID="1" presetClass="entr" presetSubtype="0" fill="hold" grpId="0" nodeType="clickEffect">
+                                  <p:stCondLst>
+                                    <p:cond delay="0"/>
+                                  </p:stCondLst>
+                                  <p:childTnLst>
+                                    <p:set>
+                                      <p:cBhvr>
+                                        <p:cTn id="6" dur="1" fill="hold">
+                                          <p:stCondLst>
+                                            <p:cond delay="0"/>
+                                          </p:stCondLst>
+                                        </p:cTn>
+                                        <p:tgtEl>
+                                          <p:spTgt spid="3">
+                                            <p:txEl>
+                                              <p:pRg st="1" end="1"/>
+                                            </p:txEl>
+                                          </p:spTgt>
+                                        </p:tgtEl>
+                                        <p:attrNameLst>
+                                          <p:attrName>style.visibility</p:attrName>
+                                        </p:attrNameLst>
+                                      </p:cBhvr>
+                                      <p:to>
+                                        <p:strVal val="visible"/>
+                                      </p:to>
+                                    </p:set>
+                                  </p:childTnLst>
+                                </p:cTn>
+                              </p:par>
+                              <p:par>
+                                <p:cTn id="7" presetID="1" presetClass="entr" presetSubtype="0" fill="hold" nodeType="withEffect">
+                                  <p:stCondLst>
+                                    <p:cond delay="0"/>
+                                  </p:stCondLst>
+                                  <p:childTnLst>
+                                    <p:set>
+                                      <p:cBhvr>
+                                        <p:cTn id="8" dur="1" fill="hold">
+                                          <p:stCondLst>
+                                            <p:cond delay="0"/>
+                                          </p:stCondLst>
+                                        </p:cTn>
+                                        <p:tgtEl>
+                                          <p:spTgt spid="4"/>
+                                        </p:tgtEl>
+                                        <p:attrNameLst>
+                                          <p:attrName>style.visibility</p:attrName>
+                                        </p:attrNameLst>
+                                      </p:cBhvr>
+                                      <p:to>
+                                        <p:strVal val="visible"/>
+                                      </p:to>
+                                    </p:set>
+                                  </p:childTnLst>
+                                </p:cTn>
+                              </p:par>
+                            </p:childTnLst>
+                          </p:cTn>
+                        </p:par>
+                      </p:childTnLst>
+                    </p:cTn>
+                  </p:par>
+                  <p:par>
+                    <p:cTn id="9" fill="hold">
+                      <p:stCondLst>
+                        <p:cond delay="indefinite"/>
+                      </p:stCondLst>
+                      <p:childTnLst>
+                        <p:par>
+                          <p:cTn id="10" fill="hold">
+                            <p:stCondLst>
+                              <p:cond delay="0"/>
+                            </p:stCondLst>
+                            <p:childTnLst>
+                              <p:par>
+                                <p:cTn id="11" presetID="1" presetClass="entr" presetSubtype="0" fill="hold" nodeType="clickEffect">
+                                  <p:stCondLst>
+                                    <p:cond delay="0"/>
+                                  </p:stCondLst>
+                                  <p:childTnLst>
+                                    <p:set>
+                                      <p:cBhvr>
+                                        <p:cTn id="12" dur="1" fill="hold">
+                                          <p:stCondLst>
+                                            <p:cond delay="0"/>
+                                          </p:stCondLst>
+                                        </p:cTn>
+                                        <p:tgtEl>
+                                          <p:spTgt spid="6">
+                                            <p:txEl>
+                                              <p:pRg st="0" end="0"/>
+                                            </p:txEl>
+                                          </p:spTgt>
+                                        </p:tgtEl>
+                                        <p:attrNameLst>
+                                          <p:attrName>style.visibility</p:attrName>
+                                        </p:attrNameLst>
+                                      </p:cBhvr>
+                                      <p:to>
+                                        <p:strVal val="visible"/>
+                                      </p:to>
+                                    </p:set>
+                                  </p:childTnLst>
+                                </p:cTn>
+                              </p:par>
+                              <p:par>
+                                <p:cTn id="13" presetID="1" presetClass="entr" presetSubtype="0" fill="hold" nodeType="withEffect">
+                                  <p:stCondLst>
+                                    <p:cond delay="0"/>
+                                  </p:stCondLst>
+                                  <p:childTnLst>
+                                    <p:set>
+                                      <p:cBhvr>
+                                        <p:cTn id="14" dur="1" fill="hold">
+                                          <p:stCondLst>
+                                            <p:cond delay="0"/>
+                                          </p:stCondLst>
+                                        </p:cTn>
+                                        <p:tgtEl>
+                                          <p:spTgt spid="6">
+                                            <p:txEl>
+                                              <p:pRg st="1" end="1"/>
+                                            </p:txEl>
+                                          </p:spTgt>
+                                        </p:tgtEl>
+                                        <p:attrNameLst>
+                                          <p:attrName>style.visibility</p:attrName>
+                                        </p:attrNameLst>
+                                      </p:cBhvr>
+                                      <p:to>
+                                        <p:strVal val="visible"/>
+                                      </p:to>
+                                    </p:set>
+                                  </p:childTnLst>
+                                </p:cTn>
+                              </p:par>
+                              <p:par>
+                                <p:cTn id="15" presetID="1" presetClass="entr" presetSubtype="0" fill="hold" nodeType="withEffect">
+                                  <p:stCondLst>
+                                    <p:cond delay="0"/>
+                                  </p:stCondLst>
+                                  <p:childTnLst>
+                                    <p:set>
+                                      <p:cBhvr>
+                                        <p:cTn id="16" dur="1" fill="hold">
+                                          <p:stCondLst>
+                                            <p:cond delay="0"/>
+                                          </p:stCondLst>
+                                        </p:cTn>
+                                        <p:tgtEl>
+                                          <p:spTgt spid="6">
+                                            <p:txEl>
+                                              <p:pRg st="2" end="2"/>
+                                            </p:txEl>
+                                          </p:spTgt>
+                                        </p:tgtEl>
+                                        <p:attrNameLst>
+                                          <p:attrName>style.visibility</p:attrName>
+                                        </p:attrNameLst>
+                                      </p:cBhvr>
+                                      <p:to>
+                                        <p:strVal val="visible"/>
+                                      </p:to>
+                                    </p:set>
+                                  </p:childTnLst>
+                                </p:cTn>
+                              </p:par>
+                              <p:par>
+                                <p:cTn id="17" presetID="1" presetClass="entr" presetSubtype="0" fill="hold" nodeType="withEffect">
+                                  <p:stCondLst>
+                                    <p:cond delay="0"/>
+                                  </p:stCondLst>
+                                  <p:childTnLst>
+                                    <p:set>
+                                      <p:cBhvr>
+                                        <p:cTn id="18" dur="1" fill="hold">
+                                          <p:stCondLst>
+                                            <p:cond delay="0"/>
+                                          </p:stCondLst>
+                                        </p:cTn>
+                                        <p:tgtEl>
+                                          <p:spTgt spid="6">
+                                            <p:txEl>
+                                              <p:pRg st="3" end="3"/>
+                                            </p:txEl>
+                                          </p:spTgt>
+                                        </p:tgtEl>
+                                        <p:attrNameLst>
+                                          <p:attrName>style.visibility</p:attrName>
+                                        </p:attrNameLst>
+                                      </p:cBhvr>
+                                      <p:to>
+                                        <p:strVal val="visible"/>
+                                      </p:to>
+                                    </p:set>
+                                  </p:childTnLst>
+                                </p:cTn>
+                              </p:par>
+                              <p:par>
+                                <p:cTn id="19" presetID="1" presetClass="entr" presetSubtype="0" fill="hold" nodeType="withEffect">
+                                  <p:stCondLst>
+                                    <p:cond delay="0"/>
+                                  </p:stCondLst>
+                                  <p:childTnLst>
+                                    <p:set>
+                                      <p:cBhvr>
+                                        <p:cTn id="20" dur="1" fill="hold">
+                                          <p:stCondLst>
+                                            <p:cond delay="0"/>
+                                          </p:stCondLst>
+                                        </p:cTn>
+                                        <p:tgtEl>
+                                          <p:spTgt spid="6">
+                                            <p:txEl>
+                                              <p:pRg st="4" end="4"/>
+                                            </p:txEl>
+                                          </p:spTgt>
+                                        </p:tgtEl>
+                                        <p:attrNameLst>
+                                          <p:attrName>style.visibility</p:attrName>
+                                        </p:attrNameLst>
+                                      </p:cBhvr>
+                                      <p:to>
+                                        <p:strVal val="visible"/>
+                                      </p:to>
+                                    </p:set>
+                                  </p:childTnLst>
+                                </p:cTn>
+                              </p:par>
+                              <p:par>
+                                <p:cTn id="21" presetID="1" presetClass="entr" presetSubtype="0" fill="hold" nodeType="withEffect">
+                                  <p:stCondLst>
+                                    <p:cond delay="0"/>
+                                  </p:stCondLst>
+                                  <p:childTnLst>
+                                    <p:set>
+                                      <p:cBhvr>
+                                        <p:cTn id="22" dur="1" fill="hold">
+                                          <p:stCondLst>
+                                            <p:cond delay="0"/>
+                                          </p:stCondLst>
+                                        </p:cTn>
+                                        <p:tgtEl>
+                                          <p:spTgt spid="6">
+                                            <p:txEl>
+                                              <p:pRg st="5" end="5"/>
+                                            </p:txEl>
+                                          </p:spTgt>
+                                        </p:tgtEl>
+                                        <p:attrNameLst>
+                                          <p:attrName>style.visibility</p:attrName>
+                                        </p:attrNameLst>
+                                      </p:cBhvr>
+                                      <p:to>
+                                        <p:strVal val="visible"/>
+                                      </p:to>
+                                    </p:set>
+                                  </p:childTnLst>
+                                </p:cTn>
+                              </p:par>
+                              <p:par>
+                                <p:cTn id="23" presetID="1" presetClass="entr" presetSubtype="0" fill="hold" grpId="0" nodeType="withEffect">
+                                  <p:stCondLst>
+                                    <p:cond delay="0"/>
+                                  </p:stCondLst>
+                                  <p:childTnLst>
+                                    <p:set>
+                                      <p:cBhvr>
+                                        <p:cTn id="24" dur="1" fill="hold">
+                                          <p:stCondLst>
+                                            <p:cond delay="0"/>
+                                          </p:stCondLst>
+                                        </p:cTn>
+                                        <p:tgtEl>
+                                          <p:spTgt spid="5"/>
+                                        </p:tgtEl>
+                                        <p:attrNameLst>
+                                          <p:attrName>style.visibility</p:attrName>
+                                        </p:attrNameLst>
+                                      </p:cBhvr>
+                                      <p:to>
+                                        <p:strVal val="visible"/>
+                                      </p:to>
+                                    </p:set>
+                                  </p:childTnLst>
+                                </p:cTn>
+                              </p:par>
+                            </p:childTnLst>
+                          </p:cTn>
+                        </p:par>
+                      </p:childTnLst>
+                    </p:cTn>
+                  </p:par>
+                  <p:par>
+                    <p:cTn id="25" fill="hold">
+                      <p:stCondLst>
+                        <p:cond delay="indefinite"/>
+                      </p:stCondLst>
+                      <p:childTnLst>
+                        <p:par>
+                          <p:cTn id="26" fill="hold">
+                            <p:stCondLst>
+                              <p:cond delay="0"/>
+                            </p:stCondLst>
+                            <p:childTnLst>
+                              <p:par>
+                                <p:cTn id="27" presetID="1" presetClass="entr" presetSubtype="0" fill="hold" grpId="1" nodeType="clickEffect">
+                                  <p:stCondLst>
+                                    <p:cond delay="0"/>
+                                  </p:stCondLst>
+                                  <p:childTnLst>
+                                    <p:set>
+                                      <p:cBhvr>
+                                        <p:cTn id="28" dur="1" fill="hold">
+                                          <p:stCondLst>
+                                            <p:cond delay="0"/>
+                                          </p:stCondLst>
+                                        </p:cTn>
+                                        <p:tgtEl>
+                                          <p:spTgt spid="8"/>
+                                        </p:tgtEl>
+                                        <p:attrNameLst>
+                                          <p:attrName>style.visibility</p:attrName>
+                                        </p:attrNameLst>
+                                      </p:cBhvr>
+                                      <p:to>
+                                        <p:strVal val="visible"/>
+                                      </p:to>
+                                    </p:set>
+                                  </p:childTnLst>
+                                </p:cTn>
+                              </p:par>
+                              <p:par>
+                                <p:cTn id="29" presetID="1" presetClass="entr" presetSubtype="0" fill="hold" nodeType="withEffect">
+                                  <p:stCondLst>
+                                    <p:cond delay="0"/>
+                                  </p:stCondLst>
+                                  <p:childTnLst>
+                                    <p:set>
+                                      <p:cBhvr>
+                                        <p:cTn id="30" dur="1" fill="hold">
+                                          <p:stCondLst>
+                                            <p:cond delay="0"/>
+                                          </p:stCondLst>
+                                        </p:cTn>
+                                        <p:tgtEl>
+                                          <p:spTgt spid="6">
+                                            <p:txEl>
+                                              <p:pRg st="5" end="5"/>
+                                            </p:txEl>
+                                          </p:spTgt>
+                                        </p:tgtEl>
+                                        <p:attrNameLst>
+                                          <p:attrName>style.visibility</p:attrName>
+                                        </p:attrNameLst>
+                                      </p:cBhvr>
+                                      <p:to>
+                                        <p:strVal val="visible"/>
+                                      </p:to>
+                                    </p:set>
+                                  </p:childTnLst>
+                                </p:cTn>
+                              </p:par>
+                              <p:par>
+                                <p:cTn id="31" presetID="1" presetClass="entr" presetSubtype="0" fill="hold" nodeType="withEffect">
+                                  <p:stCondLst>
+                                    <p:cond delay="0"/>
+                                  </p:stCondLst>
+                                  <p:childTnLst>
+                                    <p:set>
+                                      <p:cBhvr>
+                                        <p:cTn id="32" dur="1" fill="hold">
+                                          <p:stCondLst>
+                                            <p:cond delay="0"/>
+                                          </p:stCondLst>
+                                        </p:cTn>
+                                        <p:tgtEl>
+                                          <p:spTgt spid="6">
+                                            <p:txEl>
+                                              <p:pRg st="7" end="7"/>
+                                            </p:txEl>
+                                          </p:spTgt>
+                                        </p:tgtEl>
+                                        <p:attrNameLst>
+                                          <p:attrName>style.visibility</p:attrName>
+                                        </p:attrNameLst>
+                                      </p:cBhvr>
+                                      <p:to>
+                                        <p:strVal val="visible"/>
+                                      </p:to>
+                                    </p:set>
+                                  </p:childTnLst>
+                                </p:cTn>
+                              </p:par>
+                              <p:par>
+                                <p:cTn id="33" presetID="1" presetClass="entr" presetSubtype="0" fill="hold" nodeType="withEffect">
+                                  <p:stCondLst>
+                                    <p:cond delay="0"/>
+                                  </p:stCondLst>
+                                  <p:childTnLst>
+                                    <p:set>
+                                      <p:cBhvr>
+                                        <p:cTn id="34" dur="1" fill="hold">
+                                          <p:stCondLst>
+                                            <p:cond delay="0"/>
+                                          </p:stCondLst>
+                                        </p:cTn>
+                                        <p:tgtEl>
+                                          <p:spTgt spid="6">
+                                            <p:txEl>
+                                              <p:pRg st="8" end="8"/>
+                                            </p:txEl>
+                                          </p:spTgt>
+                                        </p:tgtEl>
+                                        <p:attrNameLst>
+                                          <p:attrName>style.visibility</p:attrName>
+                                        </p:attrNameLst>
+                                      </p:cBhvr>
+                                      <p:to>
+                                        <p:strVal val="visible"/>
+                                      </p:to>
+                                    </p:set>
+                                  </p:childTnLst>
+                                </p:cTn>
+                              </p:par>
+                            </p:childTnLst>
+                          </p:cTn>
+                        </p:par>
+                      </p:childTnLst>
+                    </p:cTn>
+                  </p:par>
+                </p:childTnLst>
+              </p:cTn>
+              <p:prevCondLst>
+                <p:cond evt="onPrev" delay="0">
+                  <p:tgtEl>
+                    <p:sldTgt/>
+                  </p:tgtEl>
+                </p:cond>
+              </p:prevCondLst>
+              <p:nextCondLst>
+                <p:cond evt="onNext" delay="0">
+                  <p:tgtEl>
+                    <p:sldTgt/>
+                  </p:tgtEl>
+                </p:cond>
+              </p:nextCondLst>
+            </p:seq>
+          </p:childTnLst>
+        </p:cTn>
+      </p:par>
+    </p:tnLst>
+    <p:bldLst>
+      <p:bldP spid="3" grpId="0" build="p"/>
+      <p:bldP spid="5" grpId="0" animBg="1"/>
+      <p:bldP spid="8" grpId="1" animBg="1"/>
+    </p:bldLst>
+  </p:timing>
 </p:sld>
 </file>
 
@@ -3416,7 +4853,7 @@
         </p:spPr>
         <p:txBody>
           <a:bodyPr>
-            <a:normAutofit/>
+            <a:normAutofit lnSpcReduction="10000"/>
           </a:bodyPr>
           <a:lstStyle/>
           <a:p>
@@ -3448,7 +4885,10 @@
             </a:r>
           </a:p>
           <a:p>
-            <a:pPr>
+            <a:pPr lvl="1">
+              <a:lnSpc>
+                <a:spcPct val="120000"/>
+              </a:lnSpc>
               <a:buFontTx/>
               <a:buChar char="-"/>
             </a:pPr>
@@ -3458,7 +4898,10 @@
             </a:r>
           </a:p>
           <a:p>
-            <a:pPr>
+            <a:pPr lvl="1">
+              <a:lnSpc>
+                <a:spcPct val="120000"/>
+              </a:lnSpc>
               <a:buFontTx/>
               <a:buChar char="-"/>
             </a:pPr>
@@ -3476,7 +4919,10 @@
             </a:r>
           </a:p>
           <a:p>
-            <a:pPr>
+            <a:pPr lvl="1">
+              <a:lnSpc>
+                <a:spcPct val="120000"/>
+              </a:lnSpc>
               <a:buFontTx/>
               <a:buChar char="-"/>
             </a:pPr>
@@ -3486,7 +4932,10 @@
             </a:r>
           </a:p>
           <a:p>
-            <a:pPr>
+            <a:pPr lvl="1">
+              <a:lnSpc>
+                <a:spcPct val="120000"/>
+              </a:lnSpc>
               <a:buFontTx/>
               <a:buChar char="-"/>
             </a:pPr>
@@ -3496,7 +4945,10 @@
             </a:r>
           </a:p>
           <a:p>
-            <a:pPr>
+            <a:pPr lvl="1">
+              <a:lnSpc>
+                <a:spcPct val="120000"/>
+              </a:lnSpc>
               <a:buFontTx/>
               <a:buChar char="-"/>
             </a:pPr>
@@ -3506,7 +4958,10 @@
             </a:r>
           </a:p>
           <a:p>
-            <a:pPr>
+            <a:pPr lvl="1">
+              <a:lnSpc>
+                <a:spcPct val="120000"/>
+              </a:lnSpc>
               <a:buFontTx/>
               <a:buChar char="-"/>
             </a:pPr>
@@ -3524,7 +4979,10 @@
             </a:r>
           </a:p>
           <a:p>
-            <a:pPr>
+            <a:pPr lvl="1">
+              <a:lnSpc>
+                <a:spcPct val="120000"/>
+              </a:lnSpc>
               <a:buFontTx/>
               <a:buChar char="-"/>
             </a:pPr>
@@ -3534,7 +4992,10 @@
             </a:r>
           </a:p>
           <a:p>
-            <a:pPr>
+            <a:pPr lvl="1">
+              <a:lnSpc>
+                <a:spcPct val="120000"/>
+              </a:lnSpc>
               <a:buFontTx/>
               <a:buChar char="-"/>
             </a:pPr>
@@ -3564,7 +5025,7 @@
           <p:nvPr/>
         </p:nvPicPr>
         <p:blipFill>
-          <a:blip r:embed="rId2">
+          <a:blip r:embed="rId3">
             <a:extLst>
               <a:ext uri="{28A0092B-C50C-407E-A947-70E740481C1C}">
                 <a14:useLocalDpi xmlns:a14="http://schemas.microsoft.com/office/drawing/2010/main" val="0"/>
@@ -3618,6 +5079,52 @@
           </a:p>
         </p:txBody>
       </p:sp>
+      <p:sp>
+        <p:nvSpPr>
+          <p:cNvPr id="5" name="Rectangle 4"/>
+          <p:cNvSpPr/>
+          <p:nvPr/>
+        </p:nvSpPr>
+        <p:spPr>
+          <a:xfrm>
+            <a:off x="1120463" y="2884868"/>
+            <a:ext cx="3486954" cy="3479536"/>
+          </a:xfrm>
+          <a:prstGeom prst="rect">
+            <a:avLst/>
+          </a:prstGeom>
+          <a:noFill/>
+          <a:ln w="38100">
+            <a:solidFill>
+              <a:schemeClr val="accent1"/>
+            </a:solidFill>
+          </a:ln>
+        </p:spPr>
+        <p:style>
+          <a:lnRef idx="2">
+            <a:schemeClr val="accent1">
+              <a:shade val="50000"/>
+            </a:schemeClr>
+          </a:lnRef>
+          <a:fillRef idx="1">
+            <a:schemeClr val="accent1"/>
+          </a:fillRef>
+          <a:effectRef idx="0">
+            <a:schemeClr val="accent1"/>
+          </a:effectRef>
+          <a:fontRef idx="minor">
+            <a:schemeClr val="lt1"/>
+          </a:fontRef>
+        </p:style>
+        <p:txBody>
+          <a:bodyPr rtlCol="0" anchor="ctr"/>
+          <a:lstStyle/>
+          <a:p>
+            <a:pPr algn="ctr"/>
+            <a:endParaRPr lang="en-US"/>
+          </a:p>
+        </p:txBody>
+      </p:sp>
     </p:spTree>
     <p:extLst>
       <p:ext uri="{BB962C8B-B14F-4D97-AF65-F5344CB8AC3E}">
@@ -3628,6 +5135,439 @@
   <p:clrMapOvr>
     <a:masterClrMapping/>
   </p:clrMapOvr>
+  <p:timing>
+    <p:tnLst>
+      <p:par>
+        <p:cTn id="1" dur="indefinite" restart="never" nodeType="tmRoot">
+          <p:childTnLst>
+            <p:seq concurrent="1" nextAc="seek">
+              <p:cTn id="2" dur="indefinite" nodeType="mainSeq">
+                <p:childTnLst>
+                  <p:par>
+                    <p:cTn id="3" fill="hold">
+                      <p:stCondLst>
+                        <p:cond delay="indefinite"/>
+                      </p:stCondLst>
+                      <p:childTnLst>
+                        <p:par>
+                          <p:cTn id="4" fill="hold">
+                            <p:stCondLst>
+                              <p:cond delay="0"/>
+                            </p:stCondLst>
+                            <p:childTnLst>
+                              <p:par>
+                                <p:cTn id="5" presetID="1" presetClass="entr" presetSubtype="0" fill="hold" nodeType="clickEffect">
+                                  <p:stCondLst>
+                                    <p:cond delay="0"/>
+                                  </p:stCondLst>
+                                  <p:childTnLst>
+                                    <p:set>
+                                      <p:cBhvr>
+                                        <p:cTn id="6" dur="1" fill="hold">
+                                          <p:stCondLst>
+                                            <p:cond delay="0"/>
+                                          </p:stCondLst>
+                                        </p:cTn>
+                                        <p:tgtEl>
+                                          <p:spTgt spid="6"/>
+                                        </p:tgtEl>
+                                        <p:attrNameLst>
+                                          <p:attrName>style.visibility</p:attrName>
+                                        </p:attrNameLst>
+                                      </p:cBhvr>
+                                      <p:to>
+                                        <p:strVal val="visible"/>
+                                      </p:to>
+                                    </p:set>
+                                  </p:childTnLst>
+                                </p:cTn>
+                              </p:par>
+                              <p:par>
+                                <p:cTn id="7" presetID="1" presetClass="entr" presetSubtype="0" fill="hold" nodeType="withEffect">
+                                  <p:stCondLst>
+                                    <p:cond delay="0"/>
+                                  </p:stCondLst>
+                                  <p:childTnLst>
+                                    <p:set>
+                                      <p:cBhvr>
+                                        <p:cTn id="8" dur="1" fill="hold">
+                                          <p:stCondLst>
+                                            <p:cond delay="0"/>
+                                          </p:stCondLst>
+                                        </p:cTn>
+                                        <p:tgtEl>
+                                          <p:spTgt spid="3">
+                                            <p:txEl>
+                                              <p:pRg st="1" end="1"/>
+                                            </p:txEl>
+                                          </p:spTgt>
+                                        </p:tgtEl>
+                                        <p:attrNameLst>
+                                          <p:attrName>style.visibility</p:attrName>
+                                        </p:attrNameLst>
+                                      </p:cBhvr>
+                                      <p:to>
+                                        <p:strVal val="visible"/>
+                                      </p:to>
+                                    </p:set>
+                                  </p:childTnLst>
+                                </p:cTn>
+                              </p:par>
+                              <p:par>
+                                <p:cTn id="9" presetID="1" presetClass="entr" presetSubtype="0" fill="hold" nodeType="withEffect">
+                                  <p:stCondLst>
+                                    <p:cond delay="0"/>
+                                  </p:stCondLst>
+                                  <p:childTnLst>
+                                    <p:set>
+                                      <p:cBhvr>
+                                        <p:cTn id="10" dur="1" fill="hold">
+                                          <p:stCondLst>
+                                            <p:cond delay="0"/>
+                                          </p:stCondLst>
+                                        </p:cTn>
+                                        <p:tgtEl>
+                                          <p:spTgt spid="3">
+                                            <p:txEl>
+                                              <p:pRg st="2" end="2"/>
+                                            </p:txEl>
+                                          </p:spTgt>
+                                        </p:tgtEl>
+                                        <p:attrNameLst>
+                                          <p:attrName>style.visibility</p:attrName>
+                                        </p:attrNameLst>
+                                      </p:cBhvr>
+                                      <p:to>
+                                        <p:strVal val="visible"/>
+                                      </p:to>
+                                    </p:set>
+                                  </p:childTnLst>
+                                </p:cTn>
+                              </p:par>
+                            </p:childTnLst>
+                          </p:cTn>
+                        </p:par>
+                      </p:childTnLst>
+                    </p:cTn>
+                  </p:par>
+                  <p:par>
+                    <p:cTn id="11" fill="hold">
+                      <p:stCondLst>
+                        <p:cond delay="indefinite"/>
+                      </p:stCondLst>
+                      <p:childTnLst>
+                        <p:par>
+                          <p:cTn id="12" fill="hold">
+                            <p:stCondLst>
+                              <p:cond delay="0"/>
+                            </p:stCondLst>
+                            <p:childTnLst>
+                              <p:par>
+                                <p:cTn id="13" presetID="1" presetClass="entr" presetSubtype="0" fill="hold" nodeType="clickEffect">
+                                  <p:stCondLst>
+                                    <p:cond delay="0"/>
+                                  </p:stCondLst>
+                                  <p:childTnLst>
+                                    <p:set>
+                                      <p:cBhvr>
+                                        <p:cTn id="14" dur="1" fill="hold">
+                                          <p:stCondLst>
+                                            <p:cond delay="0"/>
+                                          </p:stCondLst>
+                                        </p:cTn>
+                                        <p:tgtEl>
+                                          <p:spTgt spid="3">
+                                            <p:txEl>
+                                              <p:pRg st="3" end="3"/>
+                                            </p:txEl>
+                                          </p:spTgt>
+                                        </p:tgtEl>
+                                        <p:attrNameLst>
+                                          <p:attrName>style.visibility</p:attrName>
+                                        </p:attrNameLst>
+                                      </p:cBhvr>
+                                      <p:to>
+                                        <p:strVal val="visible"/>
+                                      </p:to>
+                                    </p:set>
+                                  </p:childTnLst>
+                                </p:cTn>
+                              </p:par>
+                              <p:par>
+                                <p:cTn id="15" presetID="1" presetClass="entr" presetSubtype="0" fill="hold" nodeType="withEffect">
+                                  <p:stCondLst>
+                                    <p:cond delay="0"/>
+                                  </p:stCondLst>
+                                  <p:childTnLst>
+                                    <p:set>
+                                      <p:cBhvr>
+                                        <p:cTn id="16" dur="1" fill="hold">
+                                          <p:stCondLst>
+                                            <p:cond delay="0"/>
+                                          </p:stCondLst>
+                                        </p:cTn>
+                                        <p:tgtEl>
+                                          <p:spTgt spid="3">
+                                            <p:txEl>
+                                              <p:pRg st="4" end="4"/>
+                                            </p:txEl>
+                                          </p:spTgt>
+                                        </p:tgtEl>
+                                        <p:attrNameLst>
+                                          <p:attrName>style.visibility</p:attrName>
+                                        </p:attrNameLst>
+                                      </p:cBhvr>
+                                      <p:to>
+                                        <p:strVal val="visible"/>
+                                      </p:to>
+                                    </p:set>
+                                  </p:childTnLst>
+                                </p:cTn>
+                              </p:par>
+                              <p:par>
+                                <p:cTn id="17" presetID="1" presetClass="entr" presetSubtype="0" fill="hold" nodeType="withEffect">
+                                  <p:stCondLst>
+                                    <p:cond delay="0"/>
+                                  </p:stCondLst>
+                                  <p:childTnLst>
+                                    <p:set>
+                                      <p:cBhvr>
+                                        <p:cTn id="18" dur="1" fill="hold">
+                                          <p:stCondLst>
+                                            <p:cond delay="0"/>
+                                          </p:stCondLst>
+                                        </p:cTn>
+                                        <p:tgtEl>
+                                          <p:spTgt spid="3">
+                                            <p:txEl>
+                                              <p:pRg st="5" end="5"/>
+                                            </p:txEl>
+                                          </p:spTgt>
+                                        </p:tgtEl>
+                                        <p:attrNameLst>
+                                          <p:attrName>style.visibility</p:attrName>
+                                        </p:attrNameLst>
+                                      </p:cBhvr>
+                                      <p:to>
+                                        <p:strVal val="visible"/>
+                                      </p:to>
+                                    </p:set>
+                                  </p:childTnLst>
+                                </p:cTn>
+                              </p:par>
+                              <p:par>
+                                <p:cTn id="19" presetID="1" presetClass="entr" presetSubtype="0" fill="hold" nodeType="withEffect">
+                                  <p:stCondLst>
+                                    <p:cond delay="0"/>
+                                  </p:stCondLst>
+                                  <p:childTnLst>
+                                    <p:set>
+                                      <p:cBhvr>
+                                        <p:cTn id="20" dur="1" fill="hold">
+                                          <p:stCondLst>
+                                            <p:cond delay="0"/>
+                                          </p:stCondLst>
+                                        </p:cTn>
+                                        <p:tgtEl>
+                                          <p:spTgt spid="3">
+                                            <p:txEl>
+                                              <p:pRg st="6" end="6"/>
+                                            </p:txEl>
+                                          </p:spTgt>
+                                        </p:tgtEl>
+                                        <p:attrNameLst>
+                                          <p:attrName>style.visibility</p:attrName>
+                                        </p:attrNameLst>
+                                      </p:cBhvr>
+                                      <p:to>
+                                        <p:strVal val="visible"/>
+                                      </p:to>
+                                    </p:set>
+                                  </p:childTnLst>
+                                </p:cTn>
+                              </p:par>
+                              <p:par>
+                                <p:cTn id="21" presetID="1" presetClass="entr" presetSubtype="0" fill="hold" nodeType="withEffect">
+                                  <p:stCondLst>
+                                    <p:cond delay="0"/>
+                                  </p:stCondLst>
+                                  <p:childTnLst>
+                                    <p:set>
+                                      <p:cBhvr>
+                                        <p:cTn id="22" dur="1" fill="hold">
+                                          <p:stCondLst>
+                                            <p:cond delay="0"/>
+                                          </p:stCondLst>
+                                        </p:cTn>
+                                        <p:tgtEl>
+                                          <p:spTgt spid="3">
+                                            <p:txEl>
+                                              <p:pRg st="7" end="7"/>
+                                            </p:txEl>
+                                          </p:spTgt>
+                                        </p:tgtEl>
+                                        <p:attrNameLst>
+                                          <p:attrName>style.visibility</p:attrName>
+                                        </p:attrNameLst>
+                                      </p:cBhvr>
+                                      <p:to>
+                                        <p:strVal val="visible"/>
+                                      </p:to>
+                                    </p:set>
+                                  </p:childTnLst>
+                                </p:cTn>
+                              </p:par>
+                              <p:par>
+                                <p:cTn id="23" presetID="1" presetClass="entr" presetSubtype="0" fill="hold" nodeType="withEffect">
+                                  <p:stCondLst>
+                                    <p:cond delay="0"/>
+                                  </p:stCondLst>
+                                  <p:childTnLst>
+                                    <p:set>
+                                      <p:cBhvr>
+                                        <p:cTn id="24" dur="1" fill="hold">
+                                          <p:stCondLst>
+                                            <p:cond delay="0"/>
+                                          </p:stCondLst>
+                                        </p:cTn>
+                                        <p:tgtEl>
+                                          <p:spTgt spid="3">
+                                            <p:txEl>
+                                              <p:pRg st="8" end="8"/>
+                                            </p:txEl>
+                                          </p:spTgt>
+                                        </p:tgtEl>
+                                        <p:attrNameLst>
+                                          <p:attrName>style.visibility</p:attrName>
+                                        </p:attrNameLst>
+                                      </p:cBhvr>
+                                      <p:to>
+                                        <p:strVal val="visible"/>
+                                      </p:to>
+                                    </p:set>
+                                  </p:childTnLst>
+                                </p:cTn>
+                              </p:par>
+                              <p:par>
+                                <p:cTn id="25" presetID="1" presetClass="entr" presetSubtype="0" fill="hold" nodeType="withEffect">
+                                  <p:stCondLst>
+                                    <p:cond delay="0"/>
+                                  </p:stCondLst>
+                                  <p:childTnLst>
+                                    <p:set>
+                                      <p:cBhvr>
+                                        <p:cTn id="26" dur="1" fill="hold">
+                                          <p:stCondLst>
+                                            <p:cond delay="0"/>
+                                          </p:stCondLst>
+                                        </p:cTn>
+                                        <p:tgtEl>
+                                          <p:spTgt spid="3">
+                                            <p:txEl>
+                                              <p:pRg st="9" end="9"/>
+                                            </p:txEl>
+                                          </p:spTgt>
+                                        </p:tgtEl>
+                                        <p:attrNameLst>
+                                          <p:attrName>style.visibility</p:attrName>
+                                        </p:attrNameLst>
+                                      </p:cBhvr>
+                                      <p:to>
+                                        <p:strVal val="visible"/>
+                                      </p:to>
+                                    </p:set>
+                                  </p:childTnLst>
+                                </p:cTn>
+                              </p:par>
+                              <p:par>
+                                <p:cTn id="27" presetID="1" presetClass="entr" presetSubtype="0" fill="hold" nodeType="withEffect">
+                                  <p:stCondLst>
+                                    <p:cond delay="0"/>
+                                  </p:stCondLst>
+                                  <p:childTnLst>
+                                    <p:set>
+                                      <p:cBhvr>
+                                        <p:cTn id="28" dur="1" fill="hold">
+                                          <p:stCondLst>
+                                            <p:cond delay="0"/>
+                                          </p:stCondLst>
+                                        </p:cTn>
+                                        <p:tgtEl>
+                                          <p:spTgt spid="3">
+                                            <p:txEl>
+                                              <p:pRg st="10" end="10"/>
+                                            </p:txEl>
+                                          </p:spTgt>
+                                        </p:tgtEl>
+                                        <p:attrNameLst>
+                                          <p:attrName>style.visibility</p:attrName>
+                                        </p:attrNameLst>
+                                      </p:cBhvr>
+                                      <p:to>
+                                        <p:strVal val="visible"/>
+                                      </p:to>
+                                    </p:set>
+                                  </p:childTnLst>
+                                </p:cTn>
+                              </p:par>
+                              <p:par>
+                                <p:cTn id="29" presetID="1" presetClass="entr" presetSubtype="0" fill="hold" grpId="0" nodeType="withEffect">
+                                  <p:stCondLst>
+                                    <p:cond delay="0"/>
+                                  </p:stCondLst>
+                                  <p:childTnLst>
+                                    <p:set>
+                                      <p:cBhvr>
+                                        <p:cTn id="30" dur="1" fill="hold">
+                                          <p:stCondLst>
+                                            <p:cond delay="0"/>
+                                          </p:stCondLst>
+                                        </p:cTn>
+                                        <p:tgtEl>
+                                          <p:spTgt spid="5"/>
+                                        </p:tgtEl>
+                                        <p:attrNameLst>
+                                          <p:attrName>style.visibility</p:attrName>
+                                        </p:attrNameLst>
+                                      </p:cBhvr>
+                                      <p:to>
+                                        <p:strVal val="visible"/>
+                                      </p:to>
+                                    </p:set>
+                                  </p:childTnLst>
+                                </p:cTn>
+                              </p:par>
+                            </p:childTnLst>
+                          </p:cTn>
+                        </p:par>
+                      </p:childTnLst>
+                    </p:cTn>
+                  </p:par>
+                </p:childTnLst>
+              </p:cTn>
+              <p:prevCondLst>
+                <p:cond evt="onPrev" delay="0">
+                  <p:tgtEl>
+                    <p:sldTgt/>
+                  </p:tgtEl>
+                </p:cond>
+              </p:prevCondLst>
+              <p:nextCondLst>
+                <p:cond evt="onNext" delay="0">
+                  <p:tgtEl>
+                    <p:sldTgt/>
+                  </p:tgtEl>
+                </p:cond>
+              </p:nextCondLst>
+            </p:seq>
+          </p:childTnLst>
+        </p:cTn>
+      </p:par>
+    </p:tnLst>
+    <p:bldLst>
+      <p:bldP spid="5" grpId="0" animBg="1"/>
+    </p:bldLst>
+  </p:timing>
 </p:sld>
 </file>
 
@@ -3657,7 +5597,7 @@
           <p:nvPr/>
         </p:nvPicPr>
         <p:blipFill>
-          <a:blip r:embed="rId2">
+          <a:blip r:embed="rId3">
             <a:extLst>
               <a:ext uri="{28A0092B-C50C-407E-A947-70E740481C1C}">
                 <a14:useLocalDpi xmlns:a14="http://schemas.microsoft.com/office/drawing/2010/main" val="0"/>
@@ -3721,6 +5661,13 @@
   <p:clrMapOvr>
     <a:masterClrMapping/>
   </p:clrMapOvr>
+  <p:timing>
+    <p:tnLst>
+      <p:par>
+        <p:cTn id="1" dur="indefinite" restart="never" nodeType="tmRoot"/>
+      </p:par>
+    </p:tnLst>
+  </p:timing>
 </p:sld>
 </file>
 
@@ -3750,7 +5697,7 @@
           <p:nvPr/>
         </p:nvPicPr>
         <p:blipFill>
-          <a:blip r:embed="rId2">
+          <a:blip r:embed="rId3">
             <a:extLst>
               <a:ext uri="{28A0092B-C50C-407E-A947-70E740481C1C}">
                 <a14:useLocalDpi xmlns:a14="http://schemas.microsoft.com/office/drawing/2010/main" val="0"/>
@@ -3818,7 +5765,7 @@
           </a:ln>
         </p:spPr>
         <p:txBody>
-          <a:bodyPr/>
+          <a:bodyPr anchor="ctr"/>
           <a:lstStyle>
             <a:lvl1pPr algn="l" defTabSz="914400" rtl="0" eaLnBrk="1" latinLnBrk="0" hangingPunct="1">
               <a:lnSpc>
@@ -3857,6 +5804,21 @@
   <p:clrMapOvr>
     <a:masterClrMapping/>
   </p:clrMapOvr>
+  <mc:AlternateContent xmlns:mc="http://schemas.openxmlformats.org/markup-compatibility/2006">
+    <mc:Choice xmlns:p14="http://schemas.microsoft.com/office/powerpoint/2010/main" Requires="p14">
+      <p:transition spd="slow" p14:dur="2000" advTm="7997"/>
+    </mc:Choice>
+    <mc:Fallback>
+      <p:transition spd="slow" advTm="7997"/>
+    </mc:Fallback>
+  </mc:AlternateContent>
+  <p:timing>
+    <p:tnLst>
+      <p:par>
+        <p:cTn id="1" dur="indefinite" restart="never" nodeType="tmRoot"/>
+      </p:par>
+    </p:tnLst>
+  </p:timing>
 </p:sld>
 </file>
 
@@ -3971,7 +5933,7 @@
               <a:avLst/>
             </a:prstGeom>
             <a:noFill/>
-            <a:ln>
+            <a:ln w="38100">
               <a:solidFill>
                 <a:schemeClr val="accent6"/>
               </a:solidFill>
@@ -4006,7 +5968,7 @@
               <a:avLst/>
             </a:prstGeom>
             <a:noFill/>
-            <a:ln>
+            <a:ln w="38100">
               <a:solidFill>
                 <a:srgbClr val="FF0000"/>
               </a:solidFill>
@@ -4243,6 +6205,13 @@
   <p:clrMapOvr>
     <a:masterClrMapping/>
   </p:clrMapOvr>
+  <p:timing>
+    <p:tnLst>
+      <p:par>
+        <p:cTn id="1" dur="indefinite" restart="never" nodeType="tmRoot"/>
+      </p:par>
+    </p:tnLst>
+  </p:timing>
 </p:sld>
 </file>
 
@@ -4390,6 +6359,13 @@
   <p:clrMapOvr>
     <a:masterClrMapping/>
   </p:clrMapOvr>
+  <p:timing>
+    <p:tnLst>
+      <p:par>
+        <p:cTn id="1" dur="indefinite" restart="never" nodeType="tmRoot"/>
+      </p:par>
+    </p:tnLst>
+  </p:timing>
 </p:sld>
 </file>
 
@@ -4721,6 +6697,13 @@
   <p:clrMapOvr>
     <a:masterClrMapping/>
   </p:clrMapOvr>
+  <p:timing>
+    <p:tnLst>
+      <p:par>
+        <p:cTn id="1" dur="indefinite" restart="never" nodeType="tmRoot"/>
+      </p:par>
+    </p:tnLst>
+  </p:timing>
 </p:sld>
 </file>
 
@@ -5274,6 +7257,13 @@
   <p:clrMapOvr>
     <a:masterClrMapping/>
   </p:clrMapOvr>
+  <p:timing>
+    <p:tnLst>
+      <p:par>
+        <p:cTn id="1" dur="indefinite" restart="never" nodeType="tmRoot"/>
+      </p:par>
+    </p:tnLst>
+  </p:timing>
 </p:sld>
 </file>
 
@@ -5532,7 +7522,268 @@
   <a:extraClrSchemeLst/>
   <a:extLst>
     <a:ext uri="{05A4C25C-085E-4340-85A3-A5531E510DB2}">
-      <thm15:themeFamily xmlns:thm15="http://schemas.microsoft.com/office/thememl/2012/main" xmlns="" name="Office Theme" id="{62F939B6-93AF-4DB8-9C6B-D6C7DFDC589F}" vid="{4A3C46E8-61CC-4603-A589-7422A47A8E4A}"/>
+      <thm15:themeFamily xmlns:thm15="http://schemas.microsoft.com/office/thememl/2012/main" name="Office Theme" id="{62F939B6-93AF-4DB8-9C6B-D6C7DFDC589F}" vid="{4A3C46E8-61CC-4603-A589-7422A47A8E4A}"/>
+    </a:ext>
+  </a:extLst>
+</a:theme>
+</file>
+
+<file path=ppt/theme/theme2.xml><?xml version="1.0" encoding="utf-8"?>
+<a:theme xmlns:a="http://schemas.openxmlformats.org/drawingml/2006/main" name="Office Theme">
+  <a:themeElements>
+    <a:clrScheme name="Office">
+      <a:dk1>
+        <a:sysClr val="windowText" lastClr="000000"/>
+      </a:dk1>
+      <a:lt1>
+        <a:sysClr val="window" lastClr="FFFFFF"/>
+      </a:lt1>
+      <a:dk2>
+        <a:srgbClr val="44546A"/>
+      </a:dk2>
+      <a:lt2>
+        <a:srgbClr val="E7E6E6"/>
+      </a:lt2>
+      <a:accent1>
+        <a:srgbClr val="5B9BD5"/>
+      </a:accent1>
+      <a:accent2>
+        <a:srgbClr val="ED7D31"/>
+      </a:accent2>
+      <a:accent3>
+        <a:srgbClr val="A5A5A5"/>
+      </a:accent3>
+      <a:accent4>
+        <a:srgbClr val="FFC000"/>
+      </a:accent4>
+      <a:accent5>
+        <a:srgbClr val="4472C4"/>
+      </a:accent5>
+      <a:accent6>
+        <a:srgbClr val="70AD47"/>
+      </a:accent6>
+      <a:hlink>
+        <a:srgbClr val="0563C1"/>
+      </a:hlink>
+      <a:folHlink>
+        <a:srgbClr val="954F72"/>
+      </a:folHlink>
+    </a:clrScheme>
+    <a:fontScheme name="Office">
+      <a:majorFont>
+        <a:latin typeface="Calibri Light" panose="020F0302020204030204"/>
+        <a:ea typeface=""/>
+        <a:cs typeface=""/>
+        <a:font script="Jpan" typeface="Yu Gothic Light"/>
+        <a:font script="Hang" typeface="맑은 고딕"/>
+        <a:font script="Hans" typeface="DengXian Light"/>
+        <a:font script="Hant" typeface="新細明體"/>
+        <a:font script="Arab" typeface="Times New Roman"/>
+        <a:font script="Hebr" typeface="Times New Roman"/>
+        <a:font script="Thai" typeface="Angsana New"/>
+        <a:font script="Ethi" typeface="Nyala"/>
+        <a:font script="Beng" typeface="Vrinda"/>
+        <a:font script="Gujr" typeface="Shruti"/>
+        <a:font script="Khmr" typeface="MoolBoran"/>
+        <a:font script="Knda" typeface="Tunga"/>
+        <a:font script="Guru" typeface="Raavi"/>
+        <a:font script="Cans" typeface="Euphemia"/>
+        <a:font script="Cher" typeface="Plantagenet Cherokee"/>
+        <a:font script="Yiii" typeface="Microsoft Yi Baiti"/>
+        <a:font script="Tibt" typeface="Microsoft Himalaya"/>
+        <a:font script="Thaa" typeface="MV Boli"/>
+        <a:font script="Deva" typeface="Mangal"/>
+        <a:font script="Telu" typeface="Gautami"/>
+        <a:font script="Taml" typeface="Latha"/>
+        <a:font script="Syrc" typeface="Estrangelo Edessa"/>
+        <a:font script="Orya" typeface="Kalinga"/>
+        <a:font script="Mlym" typeface="Kartika"/>
+        <a:font script="Laoo" typeface="DokChampa"/>
+        <a:font script="Sinh" typeface="Iskoola Pota"/>
+        <a:font script="Mong" typeface="Mongolian Baiti"/>
+        <a:font script="Viet" typeface="Times New Roman"/>
+        <a:font script="Uigh" typeface="Microsoft Uighur"/>
+        <a:font script="Geor" typeface="Sylfaen"/>
+      </a:majorFont>
+      <a:minorFont>
+        <a:latin typeface="Calibri" panose="020F0502020204030204"/>
+        <a:ea typeface=""/>
+        <a:cs typeface=""/>
+        <a:font script="Jpan" typeface="Yu Gothic"/>
+        <a:font script="Hang" typeface="맑은 고딕"/>
+        <a:font script="Hans" typeface="DengXian"/>
+        <a:font script="Hant" typeface="新細明體"/>
+        <a:font script="Arab" typeface="Arial"/>
+        <a:font script="Hebr" typeface="Arial"/>
+        <a:font script="Thai" typeface="Cordia New"/>
+        <a:font script="Ethi" typeface="Nyala"/>
+        <a:font script="Beng" typeface="Vrinda"/>
+        <a:font script="Gujr" typeface="Shruti"/>
+        <a:font script="Khmr" typeface="DaunPenh"/>
+        <a:font script="Knda" typeface="Tunga"/>
+        <a:font script="Guru" typeface="Raavi"/>
+        <a:font script="Cans" typeface="Euphemia"/>
+        <a:font script="Cher" typeface="Plantagenet Cherokee"/>
+        <a:font script="Yiii" typeface="Microsoft Yi Baiti"/>
+        <a:font script="Tibt" typeface="Microsoft Himalaya"/>
+        <a:font script="Thaa" typeface="MV Boli"/>
+        <a:font script="Deva" typeface="Mangal"/>
+        <a:font script="Telu" typeface="Gautami"/>
+        <a:font script="Taml" typeface="Latha"/>
+        <a:font script="Syrc" typeface="Estrangelo Edessa"/>
+        <a:font script="Orya" typeface="Kalinga"/>
+        <a:font script="Mlym" typeface="Kartika"/>
+        <a:font script="Laoo" typeface="DokChampa"/>
+        <a:font script="Sinh" typeface="Iskoola Pota"/>
+        <a:font script="Mong" typeface="Mongolian Baiti"/>
+        <a:font script="Viet" typeface="Arial"/>
+        <a:font script="Uigh" typeface="Microsoft Uighur"/>
+        <a:font script="Geor" typeface="Sylfaen"/>
+      </a:minorFont>
+    </a:fontScheme>
+    <a:fmtScheme name="Office">
+      <a:fillStyleLst>
+        <a:solidFill>
+          <a:schemeClr val="phClr"/>
+        </a:solidFill>
+        <a:gradFill rotWithShape="1">
+          <a:gsLst>
+            <a:gs pos="0">
+              <a:schemeClr val="phClr">
+                <a:lumMod val="110000"/>
+                <a:satMod val="105000"/>
+                <a:tint val="67000"/>
+              </a:schemeClr>
+            </a:gs>
+            <a:gs pos="50000">
+              <a:schemeClr val="phClr">
+                <a:lumMod val="105000"/>
+                <a:satMod val="103000"/>
+                <a:tint val="73000"/>
+              </a:schemeClr>
+            </a:gs>
+            <a:gs pos="100000">
+              <a:schemeClr val="phClr">
+                <a:lumMod val="105000"/>
+                <a:satMod val="109000"/>
+                <a:tint val="81000"/>
+              </a:schemeClr>
+            </a:gs>
+          </a:gsLst>
+          <a:lin ang="5400000" scaled="0"/>
+        </a:gradFill>
+        <a:gradFill rotWithShape="1">
+          <a:gsLst>
+            <a:gs pos="0">
+              <a:schemeClr val="phClr">
+                <a:satMod val="103000"/>
+                <a:lumMod val="102000"/>
+                <a:tint val="94000"/>
+              </a:schemeClr>
+            </a:gs>
+            <a:gs pos="50000">
+              <a:schemeClr val="phClr">
+                <a:satMod val="110000"/>
+                <a:lumMod val="100000"/>
+                <a:shade val="100000"/>
+              </a:schemeClr>
+            </a:gs>
+            <a:gs pos="100000">
+              <a:schemeClr val="phClr">
+                <a:lumMod val="99000"/>
+                <a:satMod val="120000"/>
+                <a:shade val="78000"/>
+              </a:schemeClr>
+            </a:gs>
+          </a:gsLst>
+          <a:lin ang="5400000" scaled="0"/>
+        </a:gradFill>
+      </a:fillStyleLst>
+      <a:lnStyleLst>
+        <a:ln w="6350" cap="flat" cmpd="sng" algn="ctr">
+          <a:solidFill>
+            <a:schemeClr val="phClr"/>
+          </a:solidFill>
+          <a:prstDash val="solid"/>
+          <a:miter lim="800000"/>
+        </a:ln>
+        <a:ln w="12700" cap="flat" cmpd="sng" algn="ctr">
+          <a:solidFill>
+            <a:schemeClr val="phClr"/>
+          </a:solidFill>
+          <a:prstDash val="solid"/>
+          <a:miter lim="800000"/>
+        </a:ln>
+        <a:ln w="19050" cap="flat" cmpd="sng" algn="ctr">
+          <a:solidFill>
+            <a:schemeClr val="phClr"/>
+          </a:solidFill>
+          <a:prstDash val="solid"/>
+          <a:miter lim="800000"/>
+        </a:ln>
+      </a:lnStyleLst>
+      <a:effectStyleLst>
+        <a:effectStyle>
+          <a:effectLst/>
+        </a:effectStyle>
+        <a:effectStyle>
+          <a:effectLst/>
+        </a:effectStyle>
+        <a:effectStyle>
+          <a:effectLst>
+            <a:outerShdw blurRad="57150" dist="19050" dir="5400000" algn="ctr" rotWithShape="0">
+              <a:srgbClr val="000000">
+                <a:alpha val="63000"/>
+              </a:srgbClr>
+            </a:outerShdw>
+          </a:effectLst>
+        </a:effectStyle>
+      </a:effectStyleLst>
+      <a:bgFillStyleLst>
+        <a:solidFill>
+          <a:schemeClr val="phClr"/>
+        </a:solidFill>
+        <a:solidFill>
+          <a:schemeClr val="phClr">
+            <a:tint val="95000"/>
+            <a:satMod val="170000"/>
+          </a:schemeClr>
+        </a:solidFill>
+        <a:gradFill rotWithShape="1">
+          <a:gsLst>
+            <a:gs pos="0">
+              <a:schemeClr val="phClr">
+                <a:tint val="93000"/>
+                <a:satMod val="150000"/>
+                <a:shade val="98000"/>
+                <a:lumMod val="102000"/>
+              </a:schemeClr>
+            </a:gs>
+            <a:gs pos="50000">
+              <a:schemeClr val="phClr">
+                <a:tint val="98000"/>
+                <a:satMod val="130000"/>
+                <a:shade val="90000"/>
+                <a:lumMod val="103000"/>
+              </a:schemeClr>
+            </a:gs>
+            <a:gs pos="100000">
+              <a:schemeClr val="phClr">
+                <a:shade val="63000"/>
+                <a:satMod val="120000"/>
+              </a:schemeClr>
+            </a:gs>
+          </a:gsLst>
+          <a:lin ang="5400000" scaled="0"/>
+        </a:gradFill>
+      </a:bgFillStyleLst>
+    </a:fmtScheme>
+  </a:themeElements>
+  <a:objectDefaults/>
+  <a:extraClrSchemeLst/>
+  <a:extLst>
+    <a:ext uri="{05A4C25C-085E-4340-85A3-A5531E510DB2}">
+      <thm15:themeFamily xmlns:thm15="http://schemas.microsoft.com/office/thememl/2012/main" name="Office Theme" id="{62F939B6-93AF-4DB8-9C6B-D6C7DFDC589F}" vid="{4A3C46E8-61CC-4603-A589-7422A47A8E4A}"/>
     </a:ext>
   </a:extLst>
 </a:theme>
